--- a/resources/documentation/Abschlusspraesentation.pptx
+++ b/resources/documentation/Abschlusspraesentation.pptx
@@ -5,10 +5,10 @@
     <p:sldMasterId id="2147483660" r:id="rId1"/>
   </p:sldMasterIdLst>
   <p:notesMasterIdLst>
-    <p:notesMasterId r:id="rId13"/>
+    <p:notesMasterId r:id="rId14"/>
   </p:notesMasterIdLst>
   <p:handoutMasterIdLst>
-    <p:handoutMasterId r:id="rId14"/>
+    <p:handoutMasterId r:id="rId15"/>
   </p:handoutMasterIdLst>
   <p:sldIdLst>
     <p:sldId id="256" r:id="rId2"/>
@@ -20,8 +20,9 @@
     <p:sldId id="269" r:id="rId8"/>
     <p:sldId id="273" r:id="rId9"/>
     <p:sldId id="260" r:id="rId10"/>
-    <p:sldId id="263" r:id="rId11"/>
-    <p:sldId id="265" r:id="rId12"/>
+    <p:sldId id="274" r:id="rId11"/>
+    <p:sldId id="263" r:id="rId12"/>
+    <p:sldId id="265" r:id="rId13"/>
   </p:sldIdLst>
   <p:sldSz cx="12192000" cy="6858000"/>
   <p:notesSz cx="6858000" cy="9144000"/>
@@ -139,204 +140,12 @@
 
 <file path=ppt/comments/comment1.xml><?xml version="1.0" encoding="utf-8"?>
 <p:cmLst xmlns:a="http://schemas.openxmlformats.org/drawingml/2006/main" xmlns:r="http://schemas.openxmlformats.org/officeDocument/2006/relationships" xmlns:p="http://schemas.openxmlformats.org/presentationml/2006/main">
-  <p:cm authorId="2" dt="2022-01-12T18:29:11.849" idx="1">
-    <p:pos x="10" y="10"/>
-    <p:text/>
-    <p:extLst>
-      <p:ext uri="{C676402C-5697-4E1C-873F-D02D1690AC5C}">
-        <p15:threadingInfo xmlns:p15="http://schemas.microsoft.com/office/powerpoint/2012/main" timeZoneBias="-60"/>
-      </p:ext>
-    </p:extLst>
-  </p:cm>
-  <p:cm authorId="2" dt="2022-01-12T19:10:26.700" idx="3">
-    <p:pos x="10" y="146"/>
-    <p:text>Jonas</p:text>
-    <p:extLst>
-      <p:ext uri="{C676402C-5697-4E1C-873F-D02D1690AC5C}">
-        <p15:threadingInfo xmlns:p15="http://schemas.microsoft.com/office/powerpoint/2012/main" timeZoneBias="-60">
-          <p15:parentCm authorId="2" idx="1"/>
-        </p15:threadingInfo>
-      </p:ext>
-    </p:extLst>
-  </p:cm>
-</p:cmLst>
-</file>
-
-<file path=ppt/comments/comment10.xml><?xml version="1.0" encoding="utf-8"?>
-<p:cmLst xmlns:a="http://schemas.openxmlformats.org/drawingml/2006/main" xmlns:r="http://schemas.openxmlformats.org/officeDocument/2006/relationships" xmlns:p="http://schemas.openxmlformats.org/presentationml/2006/main">
   <p:cm authorId="2" dt="2022-01-12T19:14:57.160" idx="17">
     <p:pos x="10" y="10"/>
     <p:text>Jonas</p:text>
     <p:extLst>
       <p:ext uri="{C676402C-5697-4E1C-873F-D02D1690AC5C}">
         <p15:threadingInfo xmlns:p15="http://schemas.microsoft.com/office/powerpoint/2012/main" timeZoneBias="-60"/>
-      </p:ext>
-    </p:extLst>
-  </p:cm>
-</p:cmLst>
-</file>
-
-<file path=ppt/comments/comment2.xml><?xml version="1.0" encoding="utf-8"?>
-<p:cmLst xmlns:a="http://schemas.openxmlformats.org/drawingml/2006/main" xmlns:r="http://schemas.openxmlformats.org/officeDocument/2006/relationships" xmlns:p="http://schemas.openxmlformats.org/presentationml/2006/main">
-  <p:cm authorId="2" dt="2022-01-12T19:10:07.983" idx="4">
-    <p:pos x="10" y="10"/>
-    <p:text/>
-    <p:extLst>
-      <p:ext uri="{C676402C-5697-4E1C-873F-D02D1690AC5C}">
-        <p15:threadingInfo xmlns:p15="http://schemas.microsoft.com/office/powerpoint/2012/main" timeZoneBias="-60"/>
-      </p:ext>
-    </p:extLst>
-  </p:cm>
-  <p:cm authorId="2" dt="2022-01-12T19:10:33.212" idx="5">
-    <p:pos x="10" y="146"/>
-    <p:text>Jonas</p:text>
-    <p:extLst>
-      <p:ext uri="{C676402C-5697-4E1C-873F-D02D1690AC5C}">
-        <p15:threadingInfo xmlns:p15="http://schemas.microsoft.com/office/powerpoint/2012/main" timeZoneBias="-60">
-          <p15:parentCm authorId="2" idx="4"/>
-        </p15:threadingInfo>
-      </p:ext>
-    </p:extLst>
-  </p:cm>
-</p:cmLst>
-</file>
-
-<file path=ppt/comments/comment3.xml><?xml version="1.0" encoding="utf-8"?>
-<p:cmLst xmlns:a="http://schemas.openxmlformats.org/drawingml/2006/main" xmlns:r="http://schemas.openxmlformats.org/officeDocument/2006/relationships" xmlns:p="http://schemas.openxmlformats.org/presentationml/2006/main">
-  <p:cm authorId="2" dt="2022-01-12T19:10:48.122" idx="6">
-    <p:pos x="10" y="10"/>
-    <p:text>Marco</p:text>
-    <p:extLst>
-      <p:ext uri="{C676402C-5697-4E1C-873F-D02D1690AC5C}">
-        <p15:threadingInfo xmlns:p15="http://schemas.microsoft.com/office/powerpoint/2012/main" timeZoneBias="-60"/>
-      </p:ext>
-    </p:extLst>
-  </p:cm>
-</p:cmLst>
-</file>
-
-<file path=ppt/comments/comment4.xml><?xml version="1.0" encoding="utf-8"?>
-<p:cmLst xmlns:a="http://schemas.openxmlformats.org/drawingml/2006/main" xmlns:r="http://schemas.openxmlformats.org/officeDocument/2006/relationships" xmlns:p="http://schemas.openxmlformats.org/presentationml/2006/main">
-  <p:cm authorId="2" dt="2022-01-12T19:16:30.787" idx="18">
-    <p:pos x="10" y="10"/>
-    <p:text>Marco</p:text>
-    <p:extLst>
-      <p:ext uri="{C676402C-5697-4E1C-873F-D02D1690AC5C}">
-        <p15:threadingInfo xmlns:p15="http://schemas.microsoft.com/office/powerpoint/2012/main" timeZoneBias="-60"/>
-      </p:ext>
-    </p:extLst>
-  </p:cm>
-</p:cmLst>
-</file>
-
-<file path=ppt/comments/comment5.xml><?xml version="1.0" encoding="utf-8"?>
-<p:cmLst xmlns:a="http://schemas.openxmlformats.org/drawingml/2006/main" xmlns:r="http://schemas.openxmlformats.org/officeDocument/2006/relationships" xmlns:p="http://schemas.openxmlformats.org/presentationml/2006/main">
-  <p:cm authorId="2" dt="2022-01-12T19:11:13.083" idx="8">
-    <p:pos x="10" y="10"/>
-    <p:text>Jonas</p:text>
-    <p:extLst>
-      <p:ext uri="{C676402C-5697-4E1C-873F-D02D1690AC5C}">
-        <p15:threadingInfo xmlns:p15="http://schemas.microsoft.com/office/powerpoint/2012/main" timeZoneBias="-60"/>
-      </p:ext>
-    </p:extLst>
-  </p:cm>
-</p:cmLst>
-</file>
-
-<file path=ppt/comments/comment6.xml><?xml version="1.0" encoding="utf-8"?>
-<p:cmLst xmlns:a="http://schemas.openxmlformats.org/drawingml/2006/main" xmlns:r="http://schemas.openxmlformats.org/officeDocument/2006/relationships" xmlns:p="http://schemas.openxmlformats.org/presentationml/2006/main">
-  <p:cm authorId="2" dt="2022-01-12T19:11:45.439" idx="9">
-    <p:pos x="10" y="10"/>
-    <p:text>Marco</p:text>
-    <p:extLst>
-      <p:ext uri="{C676402C-5697-4E1C-873F-D02D1690AC5C}">
-        <p15:threadingInfo xmlns:p15="http://schemas.microsoft.com/office/powerpoint/2012/main" timeZoneBias="-60"/>
-      </p:ext>
-    </p:extLst>
-  </p:cm>
-</p:cmLst>
-</file>
-
-<file path=ppt/comments/comment7.xml><?xml version="1.0" encoding="utf-8"?>
-<p:cmLst xmlns:a="http://schemas.openxmlformats.org/drawingml/2006/main" xmlns:r="http://schemas.openxmlformats.org/officeDocument/2006/relationships" xmlns:p="http://schemas.openxmlformats.org/presentationml/2006/main">
-  <p:cm authorId="2" dt="2022-01-12T19:12:04.139" idx="10">
-    <p:pos x="10" y="10"/>
-    <p:text>Jonas</p:text>
-    <p:extLst>
-      <p:ext uri="{C676402C-5697-4E1C-873F-D02D1690AC5C}">
-        <p15:threadingInfo xmlns:p15="http://schemas.microsoft.com/office/powerpoint/2012/main" timeZoneBias="-60"/>
-      </p:ext>
-    </p:extLst>
-  </p:cm>
-</p:cmLst>
-</file>
-
-<file path=ppt/comments/comment8.xml><?xml version="1.0" encoding="utf-8"?>
-<p:cmLst xmlns:a="http://schemas.openxmlformats.org/drawingml/2006/main" xmlns:r="http://schemas.openxmlformats.org/officeDocument/2006/relationships" xmlns:p="http://schemas.openxmlformats.org/presentationml/2006/main">
-  <p:cm authorId="2" dt="2022-01-12T19:12:09.801" idx="11">
-    <p:pos x="10" y="10"/>
-    <p:text>Jonas</p:text>
-    <p:extLst>
-      <p:ext uri="{C676402C-5697-4E1C-873F-D02D1690AC5C}">
-        <p15:threadingInfo xmlns:p15="http://schemas.microsoft.com/office/powerpoint/2012/main" timeZoneBias="-60"/>
-      </p:ext>
-    </p:extLst>
-  </p:cm>
-</p:cmLst>
-</file>
-
-<file path=ppt/comments/comment9.xml><?xml version="1.0" encoding="utf-8"?>
-<p:cmLst xmlns:a="http://schemas.openxmlformats.org/drawingml/2006/main" xmlns:r="http://schemas.openxmlformats.org/officeDocument/2006/relationships" xmlns:p="http://schemas.openxmlformats.org/presentationml/2006/main">
-  <p:cm authorId="2" dt="2022-01-12T19:12:39.248" idx="12">
-    <p:pos x="10" y="10"/>
-    <p:text>1. Marco</p:text>
-    <p:extLst>
-      <p:ext uri="{C676402C-5697-4E1C-873F-D02D1690AC5C}">
-        <p15:threadingInfo xmlns:p15="http://schemas.microsoft.com/office/powerpoint/2012/main" timeZoneBias="-60"/>
-      </p:ext>
-    </p:extLst>
-  </p:cm>
-  <p:cm authorId="2" dt="2022-01-12T19:13:04.955" idx="13">
-    <p:pos x="10" y="146"/>
-    <p:text>2. Jonas</p:text>
-    <p:extLst>
-      <p:ext uri="{C676402C-5697-4E1C-873F-D02D1690AC5C}">
-        <p15:threadingInfo xmlns:p15="http://schemas.microsoft.com/office/powerpoint/2012/main" timeZoneBias="-60">
-          <p15:parentCm authorId="2" idx="12"/>
-        </p15:threadingInfo>
-      </p:ext>
-    </p:extLst>
-  </p:cm>
-  <p:cm authorId="2" dt="2022-01-12T19:13:18.949" idx="14">
-    <p:pos x="10" y="282"/>
-    <p:text>3. Marco</p:text>
-    <p:extLst>
-      <p:ext uri="{C676402C-5697-4E1C-873F-D02D1690AC5C}">
-        <p15:threadingInfo xmlns:p15="http://schemas.microsoft.com/office/powerpoint/2012/main" timeZoneBias="-60">
-          <p15:parentCm authorId="2" idx="12"/>
-        </p15:threadingInfo>
-      </p:ext>
-    </p:extLst>
-  </p:cm>
-  <p:cm authorId="2" dt="2022-01-12T19:14:32.551" idx="15">
-    <p:pos x="10" y="418"/>
-    <p:text>4. Marco</p:text>
-    <p:extLst>
-      <p:ext uri="{C676402C-5697-4E1C-873F-D02D1690AC5C}">
-        <p15:threadingInfo xmlns:p15="http://schemas.microsoft.com/office/powerpoint/2012/main" timeZoneBias="-60">
-          <p15:parentCm authorId="2" idx="12"/>
-        </p15:threadingInfo>
-      </p:ext>
-    </p:extLst>
-  </p:cm>
-  <p:cm authorId="2" dt="2022-01-12T19:14:42.977" idx="16">
-    <p:pos x="10" y="554"/>
-    <p:text>5. Jonas</p:text>
-    <p:extLst>
-      <p:ext uri="{C676402C-5697-4E1C-873F-D02D1690AC5C}">
-        <p15:threadingInfo xmlns:p15="http://schemas.microsoft.com/office/powerpoint/2012/main" timeZoneBias="-60">
-          <p15:parentCm authorId="2" idx="12"/>
-        </p15:threadingInfo>
       </p:ext>
     </p:extLst>
   </p:cm>
@@ -3793,7 +3602,7 @@
           <a:p>
             <a:fld id="{65A80223-0394-4653-850A-5CFB486BDE83}" type="datetime1">
               <a:rPr lang="de-DE" smtClean="0"/>
-              <a:t>12.01.2022</a:t>
+              <a:t>16.01.2022</a:t>
             </a:fld>
             <a:endParaRPr lang="de-DE" dirty="0"/>
           </a:p>
@@ -3971,7 +3780,7 @@
             <a:fld id="{AFB9EE13-CF4B-4779-BA20-982008386F3C}" type="datetime1">
               <a:rPr lang="de-DE" smtClean="0"/>
               <a:pPr/>
-              <a:t>12.01.2022</a:t>
+              <a:t>16.01.2022</a:t>
             </a:fld>
             <a:endParaRPr lang="de-DE" dirty="0"/>
           </a:p>
@@ -4282,7 +4091,10 @@
           <a:bodyPr/>
           <a:lstStyle/>
           <a:p>
-            <a:endParaRPr lang="de-DE" dirty="0"/>
+            <a:r>
+              <a:rPr lang="de-DE" dirty="0"/>
+              <a:t>Jonas</a:t>
+            </a:r>
           </a:p>
         </p:txBody>
       </p:sp>
@@ -4313,6 +4125,174 @@
     <p:extLst>
       <p:ext uri="{BB962C8B-B14F-4D97-AF65-F5344CB8AC3E}">
         <p14:creationId xmlns:p14="http://schemas.microsoft.com/office/powerpoint/2010/main" val="12191073"/>
+      </p:ext>
+    </p:extLst>
+  </p:cSld>
+  <p:clrMapOvr>
+    <a:masterClrMapping/>
+  </p:clrMapOvr>
+</p:notes>
+</file>
+
+<file path=ppt/notesSlides/notesSlide10.xml><?xml version="1.0" encoding="utf-8"?>
+<p:notes xmlns:a="http://schemas.openxmlformats.org/drawingml/2006/main" xmlns:r="http://schemas.openxmlformats.org/officeDocument/2006/relationships" xmlns:p="http://schemas.openxmlformats.org/presentationml/2006/main">
+  <p:cSld>
+    <p:spTree>
+      <p:nvGrpSpPr>
+        <p:cNvPr id="1" name=""/>
+        <p:cNvGrpSpPr/>
+        <p:nvPr/>
+      </p:nvGrpSpPr>
+      <p:grpSpPr>
+        <a:xfrm>
+          <a:off x="0" y="0"/>
+          <a:ext cx="0" cy="0"/>
+          <a:chOff x="0" y="0"/>
+          <a:chExt cx="0" cy="0"/>
+        </a:xfrm>
+      </p:grpSpPr>
+      <p:sp>
+        <p:nvSpPr>
+          <p:cNvPr id="2" name="Folienbildplatzhalter 1"/>
+          <p:cNvSpPr>
+            <a:spLocks noGrp="1" noRot="1" noChangeAspect="1"/>
+          </p:cNvSpPr>
+          <p:nvPr>
+            <p:ph type="sldImg"/>
+          </p:nvPr>
+        </p:nvSpPr>
+        <p:spPr/>
+      </p:sp>
+      <p:sp>
+        <p:nvSpPr>
+          <p:cNvPr id="3" name="Notizenplatzhalter 2"/>
+          <p:cNvSpPr>
+            <a:spLocks noGrp="1"/>
+          </p:cNvSpPr>
+          <p:nvPr>
+            <p:ph type="body" idx="1"/>
+          </p:nvPr>
+        </p:nvSpPr>
+        <p:spPr/>
+        <p:txBody>
+          <a:bodyPr/>
+          <a:lstStyle/>
+          <a:p>
+            <a:endParaRPr lang="de-DE"/>
+          </a:p>
+        </p:txBody>
+      </p:sp>
+      <p:sp>
+        <p:nvSpPr>
+          <p:cNvPr id="4" name="Foliennummernplatzhalter 3"/>
+          <p:cNvSpPr>
+            <a:spLocks noGrp="1"/>
+          </p:cNvSpPr>
+          <p:nvPr>
+            <p:ph type="sldNum" sz="quarter" idx="5"/>
+          </p:nvPr>
+        </p:nvSpPr>
+        <p:spPr/>
+        <p:txBody>
+          <a:bodyPr/>
+          <a:lstStyle/>
+          <a:p>
+            <a:fld id="{D4C745B4-E2A0-42CC-9FED-47B6EC2BC2F2}" type="slidenum">
+              <a:rPr lang="de-DE" smtClean="0"/>
+              <a:t>11</a:t>
+            </a:fld>
+            <a:endParaRPr lang="de-DE"/>
+          </a:p>
+        </p:txBody>
+      </p:sp>
+    </p:spTree>
+    <p:extLst>
+      <p:ext uri="{BB962C8B-B14F-4D97-AF65-F5344CB8AC3E}">
+        <p14:creationId xmlns:p14="http://schemas.microsoft.com/office/powerpoint/2010/main" val="2939750654"/>
+      </p:ext>
+    </p:extLst>
+  </p:cSld>
+  <p:clrMapOvr>
+    <a:masterClrMapping/>
+  </p:clrMapOvr>
+</p:notes>
+</file>
+
+<file path=ppt/notesSlides/notesSlide11.xml><?xml version="1.0" encoding="utf-8"?>
+<p:notes xmlns:a="http://schemas.openxmlformats.org/drawingml/2006/main" xmlns:r="http://schemas.openxmlformats.org/officeDocument/2006/relationships" xmlns:p="http://schemas.openxmlformats.org/presentationml/2006/main">
+  <p:cSld>
+    <p:spTree>
+      <p:nvGrpSpPr>
+        <p:cNvPr id="1" name=""/>
+        <p:cNvGrpSpPr/>
+        <p:nvPr/>
+      </p:nvGrpSpPr>
+      <p:grpSpPr>
+        <a:xfrm>
+          <a:off x="0" y="0"/>
+          <a:ext cx="0" cy="0"/>
+          <a:chOff x="0" y="0"/>
+          <a:chExt cx="0" cy="0"/>
+        </a:xfrm>
+      </p:grpSpPr>
+      <p:sp>
+        <p:nvSpPr>
+          <p:cNvPr id="2" name="Folienbildplatzhalter 1"/>
+          <p:cNvSpPr>
+            <a:spLocks noGrp="1" noRot="1" noChangeAspect="1"/>
+          </p:cNvSpPr>
+          <p:nvPr>
+            <p:ph type="sldImg"/>
+          </p:nvPr>
+        </p:nvSpPr>
+        <p:spPr/>
+      </p:sp>
+      <p:sp>
+        <p:nvSpPr>
+          <p:cNvPr id="3" name="Notizenplatzhalter 2"/>
+          <p:cNvSpPr>
+            <a:spLocks noGrp="1"/>
+          </p:cNvSpPr>
+          <p:nvPr>
+            <p:ph type="body" idx="1"/>
+          </p:nvPr>
+        </p:nvSpPr>
+        <p:spPr/>
+        <p:txBody>
+          <a:bodyPr/>
+          <a:lstStyle/>
+          <a:p>
+            <a:endParaRPr lang="de-DE"/>
+          </a:p>
+        </p:txBody>
+      </p:sp>
+      <p:sp>
+        <p:nvSpPr>
+          <p:cNvPr id="4" name="Foliennummernplatzhalter 3"/>
+          <p:cNvSpPr>
+            <a:spLocks noGrp="1"/>
+          </p:cNvSpPr>
+          <p:nvPr>
+            <p:ph type="sldNum" sz="quarter" idx="5"/>
+          </p:nvPr>
+        </p:nvSpPr>
+        <p:spPr/>
+        <p:txBody>
+          <a:bodyPr/>
+          <a:lstStyle/>
+          <a:p>
+            <a:fld id="{D4C745B4-E2A0-42CC-9FED-47B6EC2BC2F2}" type="slidenum">
+              <a:rPr lang="de-DE" smtClean="0"/>
+              <a:t>12</a:t>
+            </a:fld>
+            <a:endParaRPr lang="de-DE"/>
+          </a:p>
+        </p:txBody>
+      </p:sp>
+    </p:spTree>
+    <p:extLst>
+      <p:ext uri="{BB962C8B-B14F-4D97-AF65-F5344CB8AC3E}">
+        <p14:creationId xmlns:p14="http://schemas.microsoft.com/office/powerpoint/2010/main" val="825276934"/>
       </p:ext>
     </p:extLst>
   </p:cSld>
@@ -4366,7 +4346,10 @@
           <a:bodyPr/>
           <a:lstStyle/>
           <a:p>
-            <a:endParaRPr lang="de-DE"/>
+            <a:r>
+              <a:rPr lang="de-CH" dirty="0"/>
+              <a:t>Jonas</a:t>
+            </a:r>
           </a:p>
         </p:txBody>
       </p:sp>
@@ -4386,17 +4369,17 @@
           <a:lstStyle/>
           <a:p>
             <a:fld id="{D4C745B4-E2A0-42CC-9FED-47B6EC2BC2F2}" type="slidenum">
-              <a:rPr lang="de-DE" smtClean="0"/>
-              <a:t>9</a:t>
+              <a:rPr lang="de-DE" noProof="0" smtClean="0"/>
+              <a:t>2</a:t>
             </a:fld>
-            <a:endParaRPr lang="de-DE"/>
+            <a:endParaRPr lang="de-DE" noProof="0"/>
           </a:p>
         </p:txBody>
       </p:sp>
     </p:spTree>
     <p:extLst>
       <p:ext uri="{BB962C8B-B14F-4D97-AF65-F5344CB8AC3E}">
-        <p14:creationId xmlns:p14="http://schemas.microsoft.com/office/powerpoint/2010/main" val="493077637"/>
+        <p14:creationId xmlns:p14="http://schemas.microsoft.com/office/powerpoint/2010/main" val="3632476615"/>
       </p:ext>
     </p:extLst>
   </p:cSld>
@@ -4450,7 +4433,10 @@
           <a:bodyPr/>
           <a:lstStyle/>
           <a:p>
-            <a:endParaRPr lang="de-DE"/>
+            <a:r>
+              <a:rPr lang="de-CH" dirty="0"/>
+              <a:t>Marco</a:t>
+            </a:r>
           </a:p>
         </p:txBody>
       </p:sp>
@@ -4470,17 +4456,17 @@
           <a:lstStyle/>
           <a:p>
             <a:fld id="{D4C745B4-E2A0-42CC-9FED-47B6EC2BC2F2}" type="slidenum">
-              <a:rPr lang="de-DE" smtClean="0"/>
-              <a:t>10</a:t>
+              <a:rPr lang="de-DE" noProof="0" smtClean="0"/>
+              <a:t>3</a:t>
             </a:fld>
-            <a:endParaRPr lang="de-DE"/>
+            <a:endParaRPr lang="de-DE" noProof="0"/>
           </a:p>
         </p:txBody>
       </p:sp>
     </p:spTree>
     <p:extLst>
       <p:ext uri="{BB962C8B-B14F-4D97-AF65-F5344CB8AC3E}">
-        <p14:creationId xmlns:p14="http://schemas.microsoft.com/office/powerpoint/2010/main" val="2939750654"/>
+        <p14:creationId xmlns:p14="http://schemas.microsoft.com/office/powerpoint/2010/main" val="1717950726"/>
       </p:ext>
     </p:extLst>
   </p:cSld>
@@ -4534,7 +4520,10 @@
           <a:bodyPr/>
           <a:lstStyle/>
           <a:p>
-            <a:endParaRPr lang="de-DE"/>
+            <a:r>
+              <a:rPr lang="de-CH" dirty="0"/>
+              <a:t>Marco</a:t>
+            </a:r>
           </a:p>
         </p:txBody>
       </p:sp>
@@ -4554,17 +4543,496 @@
           <a:lstStyle/>
           <a:p>
             <a:fld id="{D4C745B4-E2A0-42CC-9FED-47B6EC2BC2F2}" type="slidenum">
-              <a:rPr lang="de-DE" smtClean="0"/>
-              <a:t>11</a:t>
+              <a:rPr lang="de-DE" noProof="0" smtClean="0"/>
+              <a:t>4</a:t>
             </a:fld>
-            <a:endParaRPr lang="de-DE"/>
+            <a:endParaRPr lang="de-DE" noProof="0"/>
           </a:p>
         </p:txBody>
       </p:sp>
     </p:spTree>
     <p:extLst>
       <p:ext uri="{BB962C8B-B14F-4D97-AF65-F5344CB8AC3E}">
-        <p14:creationId xmlns:p14="http://schemas.microsoft.com/office/powerpoint/2010/main" val="825276934"/>
+        <p14:creationId xmlns:p14="http://schemas.microsoft.com/office/powerpoint/2010/main" val="714526312"/>
+      </p:ext>
+    </p:extLst>
+  </p:cSld>
+  <p:clrMapOvr>
+    <a:masterClrMapping/>
+  </p:clrMapOvr>
+</p:notes>
+</file>
+
+<file path=ppt/notesSlides/notesSlide5.xml><?xml version="1.0" encoding="utf-8"?>
+<p:notes xmlns:a="http://schemas.openxmlformats.org/drawingml/2006/main" xmlns:r="http://schemas.openxmlformats.org/officeDocument/2006/relationships" xmlns:p="http://schemas.openxmlformats.org/presentationml/2006/main">
+  <p:cSld>
+    <p:spTree>
+      <p:nvGrpSpPr>
+        <p:cNvPr id="1" name=""/>
+        <p:cNvGrpSpPr/>
+        <p:nvPr/>
+      </p:nvGrpSpPr>
+      <p:grpSpPr>
+        <a:xfrm>
+          <a:off x="0" y="0"/>
+          <a:ext cx="0" cy="0"/>
+          <a:chOff x="0" y="0"/>
+          <a:chExt cx="0" cy="0"/>
+        </a:xfrm>
+      </p:grpSpPr>
+      <p:sp>
+        <p:nvSpPr>
+          <p:cNvPr id="2" name="Folienbildplatzhalter 1"/>
+          <p:cNvSpPr>
+            <a:spLocks noGrp="1" noRot="1" noChangeAspect="1"/>
+          </p:cNvSpPr>
+          <p:nvPr>
+            <p:ph type="sldImg"/>
+          </p:nvPr>
+        </p:nvSpPr>
+        <p:spPr/>
+      </p:sp>
+      <p:sp>
+        <p:nvSpPr>
+          <p:cNvPr id="3" name="Notizenplatzhalter 2"/>
+          <p:cNvSpPr>
+            <a:spLocks noGrp="1"/>
+          </p:cNvSpPr>
+          <p:nvPr>
+            <p:ph type="body" idx="1"/>
+          </p:nvPr>
+        </p:nvSpPr>
+        <p:spPr/>
+        <p:txBody>
+          <a:bodyPr/>
+          <a:lstStyle/>
+          <a:p>
+            <a:r>
+              <a:rPr lang="de-CH" dirty="0"/>
+              <a:t>Jonas</a:t>
+            </a:r>
+          </a:p>
+        </p:txBody>
+      </p:sp>
+      <p:sp>
+        <p:nvSpPr>
+          <p:cNvPr id="4" name="Foliennummernplatzhalter 3"/>
+          <p:cNvSpPr>
+            <a:spLocks noGrp="1"/>
+          </p:cNvSpPr>
+          <p:nvPr>
+            <p:ph type="sldNum" sz="quarter" idx="5"/>
+          </p:nvPr>
+        </p:nvSpPr>
+        <p:spPr/>
+        <p:txBody>
+          <a:bodyPr/>
+          <a:lstStyle/>
+          <a:p>
+            <a:fld id="{D4C745B4-E2A0-42CC-9FED-47B6EC2BC2F2}" type="slidenum">
+              <a:rPr lang="de-DE" noProof="0" smtClean="0"/>
+              <a:t>5</a:t>
+            </a:fld>
+            <a:endParaRPr lang="de-DE" noProof="0"/>
+          </a:p>
+        </p:txBody>
+      </p:sp>
+    </p:spTree>
+    <p:extLst>
+      <p:ext uri="{BB962C8B-B14F-4D97-AF65-F5344CB8AC3E}">
+        <p14:creationId xmlns:p14="http://schemas.microsoft.com/office/powerpoint/2010/main" val="276424470"/>
+      </p:ext>
+    </p:extLst>
+  </p:cSld>
+  <p:clrMapOvr>
+    <a:masterClrMapping/>
+  </p:clrMapOvr>
+</p:notes>
+</file>
+
+<file path=ppt/notesSlides/notesSlide6.xml><?xml version="1.0" encoding="utf-8"?>
+<p:notes xmlns:a="http://schemas.openxmlformats.org/drawingml/2006/main" xmlns:r="http://schemas.openxmlformats.org/officeDocument/2006/relationships" xmlns:p="http://schemas.openxmlformats.org/presentationml/2006/main">
+  <p:cSld>
+    <p:spTree>
+      <p:nvGrpSpPr>
+        <p:cNvPr id="1" name=""/>
+        <p:cNvGrpSpPr/>
+        <p:nvPr/>
+      </p:nvGrpSpPr>
+      <p:grpSpPr>
+        <a:xfrm>
+          <a:off x="0" y="0"/>
+          <a:ext cx="0" cy="0"/>
+          <a:chOff x="0" y="0"/>
+          <a:chExt cx="0" cy="0"/>
+        </a:xfrm>
+      </p:grpSpPr>
+      <p:sp>
+        <p:nvSpPr>
+          <p:cNvPr id="2" name="Folienbildplatzhalter 1"/>
+          <p:cNvSpPr>
+            <a:spLocks noGrp="1" noRot="1" noChangeAspect="1"/>
+          </p:cNvSpPr>
+          <p:nvPr>
+            <p:ph type="sldImg"/>
+          </p:nvPr>
+        </p:nvSpPr>
+        <p:spPr/>
+      </p:sp>
+      <p:sp>
+        <p:nvSpPr>
+          <p:cNvPr id="3" name="Notizenplatzhalter 2"/>
+          <p:cNvSpPr>
+            <a:spLocks noGrp="1"/>
+          </p:cNvSpPr>
+          <p:nvPr>
+            <p:ph type="body" idx="1"/>
+          </p:nvPr>
+        </p:nvSpPr>
+        <p:spPr/>
+        <p:txBody>
+          <a:bodyPr/>
+          <a:lstStyle/>
+          <a:p>
+            <a:r>
+              <a:rPr lang="de-CH" dirty="0"/>
+              <a:t>Marco</a:t>
+            </a:r>
+          </a:p>
+        </p:txBody>
+      </p:sp>
+      <p:sp>
+        <p:nvSpPr>
+          <p:cNvPr id="4" name="Foliennummernplatzhalter 3"/>
+          <p:cNvSpPr>
+            <a:spLocks noGrp="1"/>
+          </p:cNvSpPr>
+          <p:nvPr>
+            <p:ph type="sldNum" sz="quarter" idx="5"/>
+          </p:nvPr>
+        </p:nvSpPr>
+        <p:spPr/>
+        <p:txBody>
+          <a:bodyPr/>
+          <a:lstStyle/>
+          <a:p>
+            <a:fld id="{D4C745B4-E2A0-42CC-9FED-47B6EC2BC2F2}" type="slidenum">
+              <a:rPr lang="de-DE" noProof="0" smtClean="0"/>
+              <a:t>6</a:t>
+            </a:fld>
+            <a:endParaRPr lang="de-DE" noProof="0"/>
+          </a:p>
+        </p:txBody>
+      </p:sp>
+    </p:spTree>
+    <p:extLst>
+      <p:ext uri="{BB962C8B-B14F-4D97-AF65-F5344CB8AC3E}">
+        <p14:creationId xmlns:p14="http://schemas.microsoft.com/office/powerpoint/2010/main" val="259594035"/>
+      </p:ext>
+    </p:extLst>
+  </p:cSld>
+  <p:clrMapOvr>
+    <a:masterClrMapping/>
+  </p:clrMapOvr>
+</p:notes>
+</file>
+
+<file path=ppt/notesSlides/notesSlide7.xml><?xml version="1.0" encoding="utf-8"?>
+<p:notes xmlns:a="http://schemas.openxmlformats.org/drawingml/2006/main" xmlns:r="http://schemas.openxmlformats.org/officeDocument/2006/relationships" xmlns:p="http://schemas.openxmlformats.org/presentationml/2006/main">
+  <p:cSld>
+    <p:spTree>
+      <p:nvGrpSpPr>
+        <p:cNvPr id="1" name=""/>
+        <p:cNvGrpSpPr/>
+        <p:nvPr/>
+      </p:nvGrpSpPr>
+      <p:grpSpPr>
+        <a:xfrm>
+          <a:off x="0" y="0"/>
+          <a:ext cx="0" cy="0"/>
+          <a:chOff x="0" y="0"/>
+          <a:chExt cx="0" cy="0"/>
+        </a:xfrm>
+      </p:grpSpPr>
+      <p:sp>
+        <p:nvSpPr>
+          <p:cNvPr id="2" name="Folienbildplatzhalter 1"/>
+          <p:cNvSpPr>
+            <a:spLocks noGrp="1" noRot="1" noChangeAspect="1"/>
+          </p:cNvSpPr>
+          <p:nvPr>
+            <p:ph type="sldImg"/>
+          </p:nvPr>
+        </p:nvSpPr>
+        <p:spPr/>
+      </p:sp>
+      <p:sp>
+        <p:nvSpPr>
+          <p:cNvPr id="3" name="Notizenplatzhalter 2"/>
+          <p:cNvSpPr>
+            <a:spLocks noGrp="1"/>
+          </p:cNvSpPr>
+          <p:nvPr>
+            <p:ph type="body" idx="1"/>
+          </p:nvPr>
+        </p:nvSpPr>
+        <p:spPr/>
+        <p:txBody>
+          <a:bodyPr/>
+          <a:lstStyle/>
+          <a:p>
+            <a:r>
+              <a:rPr lang="de-CH" dirty="0"/>
+              <a:t>Jonas</a:t>
+            </a:r>
+          </a:p>
+        </p:txBody>
+      </p:sp>
+      <p:sp>
+        <p:nvSpPr>
+          <p:cNvPr id="4" name="Foliennummernplatzhalter 3"/>
+          <p:cNvSpPr>
+            <a:spLocks noGrp="1"/>
+          </p:cNvSpPr>
+          <p:nvPr>
+            <p:ph type="sldNum" sz="quarter" idx="5"/>
+          </p:nvPr>
+        </p:nvSpPr>
+        <p:spPr/>
+        <p:txBody>
+          <a:bodyPr/>
+          <a:lstStyle/>
+          <a:p>
+            <a:fld id="{D4C745B4-E2A0-42CC-9FED-47B6EC2BC2F2}" type="slidenum">
+              <a:rPr lang="de-DE" noProof="0" smtClean="0"/>
+              <a:t>7</a:t>
+            </a:fld>
+            <a:endParaRPr lang="de-DE" noProof="0"/>
+          </a:p>
+        </p:txBody>
+      </p:sp>
+    </p:spTree>
+    <p:extLst>
+      <p:ext uri="{BB962C8B-B14F-4D97-AF65-F5344CB8AC3E}">
+        <p14:creationId xmlns:p14="http://schemas.microsoft.com/office/powerpoint/2010/main" val="3958797812"/>
+      </p:ext>
+    </p:extLst>
+  </p:cSld>
+  <p:clrMapOvr>
+    <a:masterClrMapping/>
+  </p:clrMapOvr>
+</p:notes>
+</file>
+
+<file path=ppt/notesSlides/notesSlide8.xml><?xml version="1.0" encoding="utf-8"?>
+<p:notes xmlns:a="http://schemas.openxmlformats.org/drawingml/2006/main" xmlns:r="http://schemas.openxmlformats.org/officeDocument/2006/relationships" xmlns:p="http://schemas.openxmlformats.org/presentationml/2006/main">
+  <p:cSld>
+    <p:spTree>
+      <p:nvGrpSpPr>
+        <p:cNvPr id="1" name=""/>
+        <p:cNvGrpSpPr/>
+        <p:nvPr/>
+      </p:nvGrpSpPr>
+      <p:grpSpPr>
+        <a:xfrm>
+          <a:off x="0" y="0"/>
+          <a:ext cx="0" cy="0"/>
+          <a:chOff x="0" y="0"/>
+          <a:chExt cx="0" cy="0"/>
+        </a:xfrm>
+      </p:grpSpPr>
+      <p:sp>
+        <p:nvSpPr>
+          <p:cNvPr id="2" name="Folienbildplatzhalter 1"/>
+          <p:cNvSpPr>
+            <a:spLocks noGrp="1" noRot="1" noChangeAspect="1"/>
+          </p:cNvSpPr>
+          <p:nvPr>
+            <p:ph type="sldImg"/>
+          </p:nvPr>
+        </p:nvSpPr>
+        <p:spPr/>
+      </p:sp>
+      <p:sp>
+        <p:nvSpPr>
+          <p:cNvPr id="3" name="Notizenplatzhalter 2"/>
+          <p:cNvSpPr>
+            <a:spLocks noGrp="1"/>
+          </p:cNvSpPr>
+          <p:nvPr>
+            <p:ph type="body" idx="1"/>
+          </p:nvPr>
+        </p:nvSpPr>
+        <p:spPr/>
+        <p:txBody>
+          <a:bodyPr/>
+          <a:lstStyle/>
+          <a:p>
+            <a:r>
+              <a:rPr lang="de-CH" dirty="0"/>
+              <a:t>Jonas</a:t>
+            </a:r>
+          </a:p>
+        </p:txBody>
+      </p:sp>
+      <p:sp>
+        <p:nvSpPr>
+          <p:cNvPr id="4" name="Foliennummernplatzhalter 3"/>
+          <p:cNvSpPr>
+            <a:spLocks noGrp="1"/>
+          </p:cNvSpPr>
+          <p:nvPr>
+            <p:ph type="sldNum" sz="quarter" idx="5"/>
+          </p:nvPr>
+        </p:nvSpPr>
+        <p:spPr/>
+        <p:txBody>
+          <a:bodyPr/>
+          <a:lstStyle/>
+          <a:p>
+            <a:fld id="{D4C745B4-E2A0-42CC-9FED-47B6EC2BC2F2}" type="slidenum">
+              <a:rPr lang="de-DE" noProof="0" smtClean="0"/>
+              <a:t>8</a:t>
+            </a:fld>
+            <a:endParaRPr lang="de-DE" noProof="0"/>
+          </a:p>
+        </p:txBody>
+      </p:sp>
+    </p:spTree>
+    <p:extLst>
+      <p:ext uri="{BB962C8B-B14F-4D97-AF65-F5344CB8AC3E}">
+        <p14:creationId xmlns:p14="http://schemas.microsoft.com/office/powerpoint/2010/main" val="1122307769"/>
+      </p:ext>
+    </p:extLst>
+  </p:cSld>
+  <p:clrMapOvr>
+    <a:masterClrMapping/>
+  </p:clrMapOvr>
+</p:notes>
+</file>
+
+<file path=ppt/notesSlides/notesSlide9.xml><?xml version="1.0" encoding="utf-8"?>
+<p:notes xmlns:a="http://schemas.openxmlformats.org/drawingml/2006/main" xmlns:r="http://schemas.openxmlformats.org/officeDocument/2006/relationships" xmlns:p="http://schemas.openxmlformats.org/presentationml/2006/main">
+  <p:cSld>
+    <p:spTree>
+      <p:nvGrpSpPr>
+        <p:cNvPr id="1" name=""/>
+        <p:cNvGrpSpPr/>
+        <p:nvPr/>
+      </p:nvGrpSpPr>
+      <p:grpSpPr>
+        <a:xfrm>
+          <a:off x="0" y="0"/>
+          <a:ext cx="0" cy="0"/>
+          <a:chOff x="0" y="0"/>
+          <a:chExt cx="0" cy="0"/>
+        </a:xfrm>
+      </p:grpSpPr>
+      <p:sp>
+        <p:nvSpPr>
+          <p:cNvPr id="2" name="Folienbildplatzhalter 1"/>
+          <p:cNvSpPr>
+            <a:spLocks noGrp="1" noRot="1" noChangeAspect="1"/>
+          </p:cNvSpPr>
+          <p:nvPr>
+            <p:ph type="sldImg"/>
+          </p:nvPr>
+        </p:nvSpPr>
+        <p:spPr/>
+      </p:sp>
+      <p:sp>
+        <p:nvSpPr>
+          <p:cNvPr id="3" name="Notizenplatzhalter 2"/>
+          <p:cNvSpPr>
+            <a:spLocks noGrp="1"/>
+          </p:cNvSpPr>
+          <p:nvPr>
+            <p:ph type="body" idx="1"/>
+          </p:nvPr>
+        </p:nvSpPr>
+        <p:spPr/>
+        <p:txBody>
+          <a:bodyPr/>
+          <a:lstStyle/>
+          <a:p>
+            <a:pPr marL="228600" indent="-228600">
+              <a:buFont typeface="+mj-lt"/>
+              <a:buAutoNum type="arabicPeriod"/>
+            </a:pPr>
+            <a:r>
+              <a:rPr lang="de-DE" dirty="0"/>
+              <a:t>Marco</a:t>
+            </a:r>
+          </a:p>
+          <a:p>
+            <a:pPr marL="228600" indent="-228600">
+              <a:buFont typeface="+mj-lt"/>
+              <a:buAutoNum type="arabicPeriod"/>
+            </a:pPr>
+            <a:r>
+              <a:rPr lang="de-DE" dirty="0"/>
+              <a:t>Jonas</a:t>
+            </a:r>
+          </a:p>
+          <a:p>
+            <a:pPr marL="228600" indent="-228600">
+              <a:buFont typeface="+mj-lt"/>
+              <a:buAutoNum type="arabicPeriod"/>
+            </a:pPr>
+            <a:r>
+              <a:rPr lang="de-DE" dirty="0"/>
+              <a:t>Marco</a:t>
+            </a:r>
+          </a:p>
+          <a:p>
+            <a:pPr marL="228600" indent="-228600">
+              <a:buFont typeface="+mj-lt"/>
+              <a:buAutoNum type="arabicPeriod"/>
+            </a:pPr>
+            <a:r>
+              <a:rPr lang="de-DE" dirty="0"/>
+              <a:t>Marco</a:t>
+            </a:r>
+          </a:p>
+          <a:p>
+            <a:pPr marL="228600" indent="-228600">
+              <a:buFont typeface="+mj-lt"/>
+              <a:buAutoNum type="arabicPeriod"/>
+            </a:pPr>
+            <a:r>
+              <a:rPr lang="de-DE" dirty="0"/>
+              <a:t>Jonas</a:t>
+            </a:r>
+          </a:p>
+        </p:txBody>
+      </p:sp>
+      <p:sp>
+        <p:nvSpPr>
+          <p:cNvPr id="4" name="Foliennummernplatzhalter 3"/>
+          <p:cNvSpPr>
+            <a:spLocks noGrp="1"/>
+          </p:cNvSpPr>
+          <p:nvPr>
+            <p:ph type="sldNum" sz="quarter" idx="5"/>
+          </p:nvPr>
+        </p:nvSpPr>
+        <p:spPr/>
+        <p:txBody>
+          <a:bodyPr/>
+          <a:lstStyle/>
+          <a:p>
+            <a:fld id="{D4C745B4-E2A0-42CC-9FED-47B6EC2BC2F2}" type="slidenum">
+              <a:rPr lang="de-DE" smtClean="0"/>
+              <a:t>9</a:t>
+            </a:fld>
+            <a:endParaRPr lang="de-DE"/>
+          </a:p>
+        </p:txBody>
+      </p:sp>
+    </p:spTree>
+    <p:extLst>
+      <p:ext uri="{BB962C8B-B14F-4D97-AF65-F5344CB8AC3E}">
+        <p14:creationId xmlns:p14="http://schemas.microsoft.com/office/powerpoint/2010/main" val="493077637"/>
       </p:ext>
     </p:extLst>
   </p:cSld>
@@ -5786,7 +6254,7 @@
             <a:pPr rtl="0"/>
             <a:fld id="{35695855-2C3C-4607-B286-469A5D649551}" type="datetime1">
               <a:rPr lang="de-DE" noProof="0" smtClean="0"/>
-              <a:t>12.01.2022</a:t>
+              <a:t>16.01.2022</a:t>
             </a:fld>
             <a:endParaRPr lang="de-DE" noProof="0"/>
           </a:p>
@@ -6026,7 +6494,7 @@
             <a:pPr rtl="0"/>
             <a:fld id="{FC18E9E9-BFF0-4EF4-A26D-5D19B0036F5D}" type="datetime1">
               <a:rPr lang="de-DE" noProof="0" smtClean="0"/>
-              <a:t>12.01.2022</a:t>
+              <a:t>16.01.2022</a:t>
             </a:fld>
             <a:endParaRPr lang="de-DE" noProof="0"/>
           </a:p>
@@ -6208,7 +6676,7 @@
             <a:pPr rtl="0"/>
             <a:fld id="{20A0FE2A-C243-49A6-85D6-34B528E67EA2}" type="datetime1">
               <a:rPr lang="de-DE" noProof="0" smtClean="0"/>
-              <a:t>12.01.2022</a:t>
+              <a:t>16.01.2022</a:t>
             </a:fld>
             <a:endParaRPr lang="de-DE" noProof="0"/>
           </a:p>
@@ -6380,7 +6848,7 @@
             <a:pPr rtl="0"/>
             <a:fld id="{EE50C6DB-F1C6-467F-8CE0-A0346EFFE638}" type="datetime1">
               <a:rPr lang="de-DE" noProof="0" smtClean="0"/>
-              <a:t>12.01.2022</a:t>
+              <a:t>16.01.2022</a:t>
             </a:fld>
             <a:endParaRPr lang="de-DE" noProof="0"/>
           </a:p>
@@ -6659,7 +7127,7 @@
             <a:pPr rtl="0"/>
             <a:fld id="{88FC6C5A-E802-4462-B445-3752E9FABE21}" type="datetime1">
               <a:rPr lang="de-DE" noProof="0" smtClean="0"/>
-              <a:t>12.01.2022</a:t>
+              <a:t>16.01.2022</a:t>
             </a:fld>
             <a:endParaRPr lang="de-DE" noProof="0"/>
           </a:p>
@@ -7861,7 +8329,7 @@
             <a:pPr rtl="0"/>
             <a:fld id="{7C978EDB-C11C-4C48-AD02-A27E3A9F3021}" type="datetime1">
               <a:rPr lang="de-DE" noProof="0" smtClean="0"/>
-              <a:t>12.01.2022</a:t>
+              <a:t>16.01.2022</a:t>
             </a:fld>
             <a:endParaRPr lang="de-DE" noProof="0"/>
           </a:p>
@@ -7921,7 +8389,7 @@
   <p:clrMapOvr>
     <a:masterClrMapping/>
   </p:clrMapOvr>
-  <p:extLst mod="1">
+  <p:extLst>
     <p:ext uri="{DCECCB84-F9BA-43D5-87BE-67443E8EF086}">
       <p15:sldGuideLst xmlns:p15="http://schemas.microsoft.com/office/powerpoint/2012/main"/>
     </p:ext>
@@ -8252,7 +8720,7 @@
             <a:pPr rtl="0"/>
             <a:fld id="{30E61D66-BCE1-42A2-A51D-4FFAED4B1900}" type="datetime1">
               <a:rPr lang="de-DE" noProof="0" smtClean="0"/>
-              <a:t>12.01.2022</a:t>
+              <a:t>16.01.2022</a:t>
             </a:fld>
             <a:endParaRPr lang="de-DE" noProof="0"/>
           </a:p>
@@ -8312,7 +8780,7 @@
   <p:clrMapOvr>
     <a:masterClrMapping/>
   </p:clrMapOvr>
-  <p:extLst mod="1">
+  <p:extLst>
     <p:ext uri="{DCECCB84-F9BA-43D5-87BE-67443E8EF086}">
       <p15:sldGuideLst xmlns:p15="http://schemas.microsoft.com/office/powerpoint/2012/main"/>
     </p:ext>
@@ -8378,7 +8846,7 @@
             <a:pPr rtl="0"/>
             <a:fld id="{82A6A6CE-ADEF-490B-8885-487C6BE9CCEF}" type="datetime1">
               <a:rPr lang="de-DE" noProof="0" smtClean="0"/>
-              <a:t>12.01.2022</a:t>
+              <a:t>16.01.2022</a:t>
             </a:fld>
             <a:endParaRPr lang="de-DE" noProof="0"/>
           </a:p>
@@ -8476,7 +8944,7 @@
             <a:pPr rtl="0"/>
             <a:fld id="{EC55321E-64B6-4F7B-B90E-E11BD8C9B303}" type="datetime1">
               <a:rPr lang="de-DE" noProof="0" smtClean="0"/>
-              <a:t>12.01.2022</a:t>
+              <a:t>16.01.2022</a:t>
             </a:fld>
             <a:endParaRPr lang="de-DE" noProof="0"/>
           </a:p>
@@ -9241,7 +9709,7 @@
             <a:pPr rtl="0"/>
             <a:fld id="{2D8B6F82-F16F-4314-B31A-6A12CD9F4D25}" type="datetime1">
               <a:rPr lang="de-DE" noProof="0" smtClean="0"/>
-              <a:t>12.01.2022</a:t>
+              <a:t>16.01.2022</a:t>
             </a:fld>
             <a:endParaRPr lang="de-DE" noProof="0"/>
           </a:p>
@@ -9349,7 +9817,7 @@
   <p:clrMapOvr>
     <a:masterClrMapping/>
   </p:clrMapOvr>
-  <p:extLst mod="1">
+  <p:extLst>
     <p:ext uri="{DCECCB84-F9BA-43D5-87BE-67443E8EF086}">
       <p15:sldGuideLst xmlns:p15="http://schemas.microsoft.com/office/powerpoint/2012/main">
         <p15:guide id="1" orient="horz" pos="696">
@@ -10084,7 +10552,7 @@
             <a:pPr rtl="0"/>
             <a:fld id="{1C3C8E23-E973-42ED-B43B-DAF54C52B003}" type="datetime1">
               <a:rPr lang="de-DE" noProof="0" smtClean="0"/>
-              <a:t>12.01.2022</a:t>
+              <a:t>16.01.2022</a:t>
             </a:fld>
             <a:endParaRPr lang="de-DE" noProof="0"/>
           </a:p>
@@ -10313,7 +10781,7 @@
             <a:pPr rtl="0"/>
             <a:fld id="{E6CB7931-7355-4552-BD02-BEFEB20ABB1F}" type="datetime1">
               <a:rPr lang="de-DE" noProof="0" smtClean="0"/>
-              <a:t>12.01.2022</a:t>
+              <a:t>16.01.2022</a:t>
             </a:fld>
             <a:endParaRPr lang="de-DE" noProof="0"/>
           </a:p>
@@ -11259,7 +11727,7 @@
       </a:lvl9pPr>
     </p:otherStyle>
   </p:txStyles>
-  <p:extLst mod="1">
+  <p:extLst>
     <p:ext uri="{27BBF7A9-308A-43DC-89C8-2F10F3537804}">
       <p15:sldGuideLst xmlns:p15="http://schemas.microsoft.com/office/powerpoint/2012/main">
         <p15:guide id="1" pos="792">
@@ -11493,6 +11961,110 @@
 </file>
 
 <file path=ppt/slides/slide10.xml><?xml version="1.0" encoding="utf-8"?>
+<p:sld xmlns:a="http://schemas.openxmlformats.org/drawingml/2006/main" xmlns:r="http://schemas.openxmlformats.org/officeDocument/2006/relationships" xmlns:p="http://schemas.openxmlformats.org/presentationml/2006/main">
+  <p:cSld>
+    <p:spTree>
+      <p:nvGrpSpPr>
+        <p:cNvPr id="1" name=""/>
+        <p:cNvGrpSpPr/>
+        <p:nvPr/>
+      </p:nvGrpSpPr>
+      <p:grpSpPr>
+        <a:xfrm>
+          <a:off x="0" y="0"/>
+          <a:ext cx="0" cy="0"/>
+          <a:chOff x="0" y="0"/>
+          <a:chExt cx="0" cy="0"/>
+        </a:xfrm>
+      </p:grpSpPr>
+      <p:sp>
+        <p:nvSpPr>
+          <p:cNvPr id="2" name="Titel 1">
+            <a:extLst>
+              <a:ext uri="{FF2B5EF4-FFF2-40B4-BE49-F238E27FC236}">
+                <a16:creationId xmlns:a16="http://schemas.microsoft.com/office/drawing/2014/main" id="{A5E794D9-6FBA-4BB2-991E-F1A0761876FB}"/>
+              </a:ext>
+            </a:extLst>
+          </p:cNvPr>
+          <p:cNvSpPr>
+            <a:spLocks noGrp="1"/>
+          </p:cNvSpPr>
+          <p:nvPr>
+            <p:ph type="title"/>
+          </p:nvPr>
+        </p:nvSpPr>
+        <p:spPr/>
+        <p:txBody>
+          <a:bodyPr/>
+          <a:lstStyle/>
+          <a:p>
+            <a:r>
+              <a:rPr lang="de-CH" dirty="0"/>
+              <a:t>Was würden wir das nächste mal anders machen</a:t>
+            </a:r>
+          </a:p>
+        </p:txBody>
+      </p:sp>
+      <p:sp>
+        <p:nvSpPr>
+          <p:cNvPr id="3" name="Inhaltsplatzhalter 2">
+            <a:extLst>
+              <a:ext uri="{FF2B5EF4-FFF2-40B4-BE49-F238E27FC236}">
+                <a16:creationId xmlns:a16="http://schemas.microsoft.com/office/drawing/2014/main" id="{D4DE1FD0-252C-41FF-951A-83176854AF95}"/>
+              </a:ext>
+            </a:extLst>
+          </p:cNvPr>
+          <p:cNvSpPr>
+            <a:spLocks noGrp="1"/>
+          </p:cNvSpPr>
+          <p:nvPr>
+            <p:ph idx="1"/>
+          </p:nvPr>
+        </p:nvSpPr>
+        <p:spPr/>
+        <p:txBody>
+          <a:bodyPr/>
+          <a:lstStyle/>
+          <a:p>
+            <a:r>
+              <a:rPr lang="de-CH" dirty="0"/>
+              <a:t>Einsatz von </a:t>
+            </a:r>
+            <a:r>
+              <a:rPr lang="de-CH" dirty="0" err="1"/>
+              <a:t>spezalisierten</a:t>
+            </a:r>
+            <a:r>
+              <a:rPr lang="de-CH" dirty="0"/>
+              <a:t> Libraries / Netzwerken wie Facebook Prophet ( </a:t>
+            </a:r>
+            <a:r>
+              <a:rPr lang="de-CH" dirty="0">
+                <a:hlinkClick r:id="rId2"/>
+              </a:rPr>
+              <a:t>https://github.com/facebook/prophet</a:t>
+            </a:r>
+            <a:r>
+              <a:rPr lang="de-CH" dirty="0"/>
+              <a:t> )</a:t>
+            </a:r>
+          </a:p>
+        </p:txBody>
+      </p:sp>
+    </p:spTree>
+    <p:extLst>
+      <p:ext uri="{BB962C8B-B14F-4D97-AF65-F5344CB8AC3E}">
+        <p14:creationId xmlns:p14="http://schemas.microsoft.com/office/powerpoint/2010/main" val="3954962109"/>
+      </p:ext>
+    </p:extLst>
+  </p:cSld>
+  <p:clrMapOvr>
+    <a:masterClrMapping/>
+  </p:clrMapOvr>
+</p:sld>
+</file>
+
+<file path=ppt/slides/slide11.xml><?xml version="1.0" encoding="utf-8"?>
 <p:sld xmlns:a="http://schemas.openxmlformats.org/drawingml/2006/main" xmlns:r="http://schemas.openxmlformats.org/officeDocument/2006/relationships" xmlns:p="http://schemas.openxmlformats.org/presentationml/2006/main">
   <p:cSld>
     <p:bg>
@@ -13445,7 +14017,7 @@
 </p:sld>
 </file>
 
-<file path=ppt/slides/slide11.xml><?xml version="1.0" encoding="utf-8"?>
+<file path=ppt/slides/slide12.xml><?xml version="1.0" encoding="utf-8"?>
 <p:sld xmlns:a="http://schemas.openxmlformats.org/drawingml/2006/main" xmlns:r="http://schemas.openxmlformats.org/officeDocument/2006/relationships" xmlns:p="http://schemas.openxmlformats.org/presentationml/2006/main">
   <p:cSld>
     <p:spTree>
@@ -13583,7 +14155,9 @@
         </p:nvSpPr>
         <p:spPr/>
         <p:txBody>
-          <a:bodyPr/>
+          <a:bodyPr>
+            <a:normAutofit lnSpcReduction="10000"/>
+          </a:bodyPr>
           <a:lstStyle/>
           <a:p>
             <a:r>
@@ -13625,6 +14199,12 @@
             <a:r>
               <a:rPr lang="de-CH" dirty="0"/>
               <a:t>Erkenntnisse</a:t>
+            </a:r>
+          </a:p>
+          <a:p>
+            <a:r>
+              <a:rPr lang="de-CH" dirty="0"/>
+              <a:t>Was würden wir das nächste Mal anders machen?</a:t>
             </a:r>
           </a:p>
           <a:p>
@@ -13769,7 +14349,7 @@
           <p:nvPr/>
         </p:nvPicPr>
         <p:blipFill>
-          <a:blip r:embed="rId2"/>
+          <a:blip r:embed="rId3"/>
           <a:stretch>
             <a:fillRect/>
           </a:stretch>
@@ -13879,7 +14459,7 @@
             </a:r>
             <a:r>
               <a:rPr lang="de-CH" dirty="0">
-                <a:hlinkClick r:id="rId2"/>
+                <a:hlinkClick r:id="rId3"/>
               </a:rPr>
               <a:t>https://github.com/maggi71/ml-corona</a:t>
             </a:r>
@@ -14011,7 +14591,7 @@
             </a:r>
             <a:r>
               <a:rPr lang="de-CH" dirty="0">
-                <a:hlinkClick r:id="rId2"/>
+                <a:hlinkClick r:id="rId3"/>
               </a:rPr>
               <a:t>https://opendata.swiss/de/dataset/covid-19-schweiz</a:t>
             </a:r>
@@ -14168,13 +14748,6 @@
             <a:pPr lvl="1"/>
             <a:r>
               <a:rPr lang="de-CH" dirty="0"/>
-              <a:t>Aufbau des Modells</a:t>
-            </a:r>
-          </a:p>
-          <a:p>
-            <a:pPr lvl="1"/>
-            <a:r>
-              <a:rPr lang="de-CH" dirty="0"/>
               <a:t>Trainieren</a:t>
             </a:r>
           </a:p>
@@ -14187,10 +14760,24 @@
             <a:endParaRPr lang="de-CH" dirty="0"/>
           </a:p>
           <a:p>
+            <a:pPr lvl="1"/>
             <a:r>
               <a:rPr lang="de-CH" dirty="0"/>
-              <a:t>Notebooks für Daten Sammeln und Bereinigen, Modelle</a:t>
+              <a:t>Vergleich </a:t>
             </a:r>
+            <a:r>
+              <a:rPr lang="de-CH" dirty="0" err="1"/>
+              <a:t>Prediction</a:t>
+            </a:r>
+            <a:r>
+              <a:rPr lang="de-CH" dirty="0"/>
+              <a:t> mit </a:t>
+            </a:r>
+            <a:r>
+              <a:rPr lang="de-CH"/>
+              <a:t>Ground Truth</a:t>
+            </a:r>
+            <a:endParaRPr lang="de-CH" dirty="0"/>
           </a:p>
         </p:txBody>
       </p:sp>

--- a/resources/documentation/Abschlusspraesentation.pptx
+++ b/resources/documentation/Abschlusspraesentation.pptx
@@ -4699,6 +4699,21 @@
               <a:t>Marco</a:t>
             </a:r>
           </a:p>
+          <a:p>
+            <a:endParaRPr lang="de-CH" dirty="0"/>
+          </a:p>
+          <a:p>
+            <a:r>
+              <a:rPr lang="de-CH" dirty="0"/>
+              <a:t>Schon durchgeführt da bei mir lokal über 1 Minute</a:t>
+            </a:r>
+          </a:p>
+          <a:p>
+            <a:r>
+              <a:rPr lang="de-CH" dirty="0"/>
+              <a:t>Grafik 300 Batches und der Loss Wert</a:t>
+            </a:r>
+          </a:p>
         </p:txBody>
       </p:sp>
       <p:sp>
@@ -14771,13 +14786,8 @@
             </a:r>
             <a:r>
               <a:rPr lang="de-CH" dirty="0"/>
-              <a:t> mit </a:t>
+              <a:t> mit Ground Truth</a:t>
             </a:r>
-            <a:r>
-              <a:rPr lang="de-CH"/>
-              <a:t>Ground Truth</a:t>
-            </a:r>
-            <a:endParaRPr lang="de-CH" dirty="0"/>
           </a:p>
         </p:txBody>
       </p:sp>

--- a/resources/documentation/Abschlusspraesentation.pptx
+++ b/resources/documentation/Abschlusspraesentation.pptx
@@ -5,10 +5,10 @@
     <p:sldMasterId id="2147483660" r:id="rId1"/>
   </p:sldMasterIdLst>
   <p:notesMasterIdLst>
-    <p:notesMasterId r:id="rId14"/>
+    <p:notesMasterId r:id="rId13"/>
   </p:notesMasterIdLst>
   <p:handoutMasterIdLst>
-    <p:handoutMasterId r:id="rId15"/>
+    <p:handoutMasterId r:id="rId14"/>
   </p:handoutMasterIdLst>
   <p:sldIdLst>
     <p:sldId id="256" r:id="rId2"/>
@@ -20,9 +20,8 @@
     <p:sldId id="269" r:id="rId8"/>
     <p:sldId id="273" r:id="rId9"/>
     <p:sldId id="260" r:id="rId10"/>
-    <p:sldId id="274" r:id="rId11"/>
-    <p:sldId id="263" r:id="rId12"/>
-    <p:sldId id="265" r:id="rId13"/>
+    <p:sldId id="263" r:id="rId11"/>
+    <p:sldId id="265" r:id="rId12"/>
   </p:sldIdLst>
   <p:sldSz cx="12192000" cy="6858000"/>
   <p:notesSz cx="6858000" cy="9144000"/>
@@ -3602,7 +3601,7 @@
           <a:p>
             <a:fld id="{65A80223-0394-4653-850A-5CFB486BDE83}" type="datetime1">
               <a:rPr lang="de-DE" smtClean="0"/>
-              <a:t>16.01.2022</a:t>
+              <a:t>17.01.2022</a:t>
             </a:fld>
             <a:endParaRPr lang="de-DE" dirty="0"/>
           </a:p>
@@ -3780,7 +3779,7 @@
             <a:fld id="{AFB9EE13-CF4B-4779-BA20-982008386F3C}" type="datetime1">
               <a:rPr lang="de-DE" smtClean="0"/>
               <a:pPr/>
-              <a:t>16.01.2022</a:t>
+              <a:t>17.01.2022</a:t>
             </a:fld>
             <a:endParaRPr lang="de-DE" dirty="0"/>
           </a:p>
@@ -4199,7 +4198,7 @@
           <a:p>
             <a:fld id="{D4C745B4-E2A0-42CC-9FED-47B6EC2BC2F2}" type="slidenum">
               <a:rPr lang="de-DE" smtClean="0"/>
-              <a:t>11</a:t>
+              <a:t>10</a:t>
             </a:fld>
             <a:endParaRPr lang="de-DE"/>
           </a:p>
@@ -4283,7 +4282,7 @@
           <a:p>
             <a:fld id="{D4C745B4-E2A0-42CC-9FED-47B6EC2BC2F2}" type="slidenum">
               <a:rPr lang="de-DE" smtClean="0"/>
-              <a:t>12</a:t>
+              <a:t>11</a:t>
             </a:fld>
             <a:endParaRPr lang="de-DE"/>
           </a:p>
@@ -6269,7 +6268,7 @@
             <a:pPr rtl="0"/>
             <a:fld id="{35695855-2C3C-4607-B286-469A5D649551}" type="datetime1">
               <a:rPr lang="de-DE" noProof="0" smtClean="0"/>
-              <a:t>16.01.2022</a:t>
+              <a:t>17.01.2022</a:t>
             </a:fld>
             <a:endParaRPr lang="de-DE" noProof="0"/>
           </a:p>
@@ -6509,7 +6508,7 @@
             <a:pPr rtl="0"/>
             <a:fld id="{FC18E9E9-BFF0-4EF4-A26D-5D19B0036F5D}" type="datetime1">
               <a:rPr lang="de-DE" noProof="0" smtClean="0"/>
-              <a:t>16.01.2022</a:t>
+              <a:t>17.01.2022</a:t>
             </a:fld>
             <a:endParaRPr lang="de-DE" noProof="0"/>
           </a:p>
@@ -6691,7 +6690,7 @@
             <a:pPr rtl="0"/>
             <a:fld id="{20A0FE2A-C243-49A6-85D6-34B528E67EA2}" type="datetime1">
               <a:rPr lang="de-DE" noProof="0" smtClean="0"/>
-              <a:t>16.01.2022</a:t>
+              <a:t>17.01.2022</a:t>
             </a:fld>
             <a:endParaRPr lang="de-DE" noProof="0"/>
           </a:p>
@@ -6863,7 +6862,7 @@
             <a:pPr rtl="0"/>
             <a:fld id="{EE50C6DB-F1C6-467F-8CE0-A0346EFFE638}" type="datetime1">
               <a:rPr lang="de-DE" noProof="0" smtClean="0"/>
-              <a:t>16.01.2022</a:t>
+              <a:t>17.01.2022</a:t>
             </a:fld>
             <a:endParaRPr lang="de-DE" noProof="0"/>
           </a:p>
@@ -7142,7 +7141,7 @@
             <a:pPr rtl="0"/>
             <a:fld id="{88FC6C5A-E802-4462-B445-3752E9FABE21}" type="datetime1">
               <a:rPr lang="de-DE" noProof="0" smtClean="0"/>
-              <a:t>16.01.2022</a:t>
+              <a:t>17.01.2022</a:t>
             </a:fld>
             <a:endParaRPr lang="de-DE" noProof="0"/>
           </a:p>
@@ -8344,7 +8343,7 @@
             <a:pPr rtl="0"/>
             <a:fld id="{7C978EDB-C11C-4C48-AD02-A27E3A9F3021}" type="datetime1">
               <a:rPr lang="de-DE" noProof="0" smtClean="0"/>
-              <a:t>16.01.2022</a:t>
+              <a:t>17.01.2022</a:t>
             </a:fld>
             <a:endParaRPr lang="de-DE" noProof="0"/>
           </a:p>
@@ -8735,7 +8734,7 @@
             <a:pPr rtl="0"/>
             <a:fld id="{30E61D66-BCE1-42A2-A51D-4FFAED4B1900}" type="datetime1">
               <a:rPr lang="de-DE" noProof="0" smtClean="0"/>
-              <a:t>16.01.2022</a:t>
+              <a:t>17.01.2022</a:t>
             </a:fld>
             <a:endParaRPr lang="de-DE" noProof="0"/>
           </a:p>
@@ -8861,7 +8860,7 @@
             <a:pPr rtl="0"/>
             <a:fld id="{82A6A6CE-ADEF-490B-8885-487C6BE9CCEF}" type="datetime1">
               <a:rPr lang="de-DE" noProof="0" smtClean="0"/>
-              <a:t>16.01.2022</a:t>
+              <a:t>17.01.2022</a:t>
             </a:fld>
             <a:endParaRPr lang="de-DE" noProof="0"/>
           </a:p>
@@ -8959,7 +8958,7 @@
             <a:pPr rtl="0"/>
             <a:fld id="{EC55321E-64B6-4F7B-B90E-E11BD8C9B303}" type="datetime1">
               <a:rPr lang="de-DE" noProof="0" smtClean="0"/>
-              <a:t>16.01.2022</a:t>
+              <a:t>17.01.2022</a:t>
             </a:fld>
             <a:endParaRPr lang="de-DE" noProof="0"/>
           </a:p>
@@ -9724,7 +9723,7 @@
             <a:pPr rtl="0"/>
             <a:fld id="{2D8B6F82-F16F-4314-B31A-6A12CD9F4D25}" type="datetime1">
               <a:rPr lang="de-DE" noProof="0" smtClean="0"/>
-              <a:t>16.01.2022</a:t>
+              <a:t>17.01.2022</a:t>
             </a:fld>
             <a:endParaRPr lang="de-DE" noProof="0"/>
           </a:p>
@@ -10567,7 +10566,7 @@
             <a:pPr rtl="0"/>
             <a:fld id="{1C3C8E23-E973-42ED-B43B-DAF54C52B003}" type="datetime1">
               <a:rPr lang="de-DE" noProof="0" smtClean="0"/>
-              <a:t>16.01.2022</a:t>
+              <a:t>17.01.2022</a:t>
             </a:fld>
             <a:endParaRPr lang="de-DE" noProof="0"/>
           </a:p>
@@ -10796,7 +10795,7 @@
             <a:pPr rtl="0"/>
             <a:fld id="{E6CB7931-7355-4552-BD02-BEFEB20ABB1F}" type="datetime1">
               <a:rPr lang="de-DE" noProof="0" smtClean="0"/>
-              <a:t>16.01.2022</a:t>
+              <a:t>17.01.2022</a:t>
             </a:fld>
             <a:endParaRPr lang="de-DE" noProof="0"/>
           </a:p>
@@ -11978,110 +11977,6 @@
 <file path=ppt/slides/slide10.xml><?xml version="1.0" encoding="utf-8"?>
 <p:sld xmlns:a="http://schemas.openxmlformats.org/drawingml/2006/main" xmlns:r="http://schemas.openxmlformats.org/officeDocument/2006/relationships" xmlns:p="http://schemas.openxmlformats.org/presentationml/2006/main">
   <p:cSld>
-    <p:spTree>
-      <p:nvGrpSpPr>
-        <p:cNvPr id="1" name=""/>
-        <p:cNvGrpSpPr/>
-        <p:nvPr/>
-      </p:nvGrpSpPr>
-      <p:grpSpPr>
-        <a:xfrm>
-          <a:off x="0" y="0"/>
-          <a:ext cx="0" cy="0"/>
-          <a:chOff x="0" y="0"/>
-          <a:chExt cx="0" cy="0"/>
-        </a:xfrm>
-      </p:grpSpPr>
-      <p:sp>
-        <p:nvSpPr>
-          <p:cNvPr id="2" name="Titel 1">
-            <a:extLst>
-              <a:ext uri="{FF2B5EF4-FFF2-40B4-BE49-F238E27FC236}">
-                <a16:creationId xmlns:a16="http://schemas.microsoft.com/office/drawing/2014/main" id="{A5E794D9-6FBA-4BB2-991E-F1A0761876FB}"/>
-              </a:ext>
-            </a:extLst>
-          </p:cNvPr>
-          <p:cNvSpPr>
-            <a:spLocks noGrp="1"/>
-          </p:cNvSpPr>
-          <p:nvPr>
-            <p:ph type="title"/>
-          </p:nvPr>
-        </p:nvSpPr>
-        <p:spPr/>
-        <p:txBody>
-          <a:bodyPr/>
-          <a:lstStyle/>
-          <a:p>
-            <a:r>
-              <a:rPr lang="de-CH" dirty="0"/>
-              <a:t>Was würden wir das nächste mal anders machen</a:t>
-            </a:r>
-          </a:p>
-        </p:txBody>
-      </p:sp>
-      <p:sp>
-        <p:nvSpPr>
-          <p:cNvPr id="3" name="Inhaltsplatzhalter 2">
-            <a:extLst>
-              <a:ext uri="{FF2B5EF4-FFF2-40B4-BE49-F238E27FC236}">
-                <a16:creationId xmlns:a16="http://schemas.microsoft.com/office/drawing/2014/main" id="{D4DE1FD0-252C-41FF-951A-83176854AF95}"/>
-              </a:ext>
-            </a:extLst>
-          </p:cNvPr>
-          <p:cNvSpPr>
-            <a:spLocks noGrp="1"/>
-          </p:cNvSpPr>
-          <p:nvPr>
-            <p:ph idx="1"/>
-          </p:nvPr>
-        </p:nvSpPr>
-        <p:spPr/>
-        <p:txBody>
-          <a:bodyPr/>
-          <a:lstStyle/>
-          <a:p>
-            <a:r>
-              <a:rPr lang="de-CH" dirty="0"/>
-              <a:t>Einsatz von </a:t>
-            </a:r>
-            <a:r>
-              <a:rPr lang="de-CH" dirty="0" err="1"/>
-              <a:t>spezalisierten</a:t>
-            </a:r>
-            <a:r>
-              <a:rPr lang="de-CH" dirty="0"/>
-              <a:t> Libraries / Netzwerken wie Facebook Prophet ( </a:t>
-            </a:r>
-            <a:r>
-              <a:rPr lang="de-CH" dirty="0">
-                <a:hlinkClick r:id="rId2"/>
-              </a:rPr>
-              <a:t>https://github.com/facebook/prophet</a:t>
-            </a:r>
-            <a:r>
-              <a:rPr lang="de-CH" dirty="0"/>
-              <a:t> )</a:t>
-            </a:r>
-          </a:p>
-        </p:txBody>
-      </p:sp>
-    </p:spTree>
-    <p:extLst>
-      <p:ext uri="{BB962C8B-B14F-4D97-AF65-F5344CB8AC3E}">
-        <p14:creationId xmlns:p14="http://schemas.microsoft.com/office/powerpoint/2010/main" val="3954962109"/>
-      </p:ext>
-    </p:extLst>
-  </p:cSld>
-  <p:clrMapOvr>
-    <a:masterClrMapping/>
-  </p:clrMapOvr>
-</p:sld>
-</file>
-
-<file path=ppt/slides/slide11.xml><?xml version="1.0" encoding="utf-8"?>
-<p:sld xmlns:a="http://schemas.openxmlformats.org/drawingml/2006/main" xmlns:r="http://schemas.openxmlformats.org/officeDocument/2006/relationships" xmlns:p="http://schemas.openxmlformats.org/presentationml/2006/main">
-  <p:cSld>
     <p:bg>
       <p:bgPr>
         <a:solidFill>
@@ -14032,7 +13927,7 @@
 </p:sld>
 </file>
 
-<file path=ppt/slides/slide12.xml><?xml version="1.0" encoding="utf-8"?>
+<file path=ppt/slides/slide11.xml><?xml version="1.0" encoding="utf-8"?>
 <p:sld xmlns:a="http://schemas.openxmlformats.org/drawingml/2006/main" xmlns:r="http://schemas.openxmlformats.org/officeDocument/2006/relationships" xmlns:p="http://schemas.openxmlformats.org/presentationml/2006/main">
   <p:cSld>
     <p:spTree>
@@ -14171,7 +14066,7 @@
         <p:spPr/>
         <p:txBody>
           <a:bodyPr>
-            <a:normAutofit lnSpcReduction="10000"/>
+            <a:normAutofit/>
           </a:bodyPr>
           <a:lstStyle/>
           <a:p>
@@ -14214,12 +14109,6 @@
             <a:r>
               <a:rPr lang="de-CH" dirty="0"/>
               <a:t>Erkenntnisse</a:t>
-            </a:r>
-          </a:p>
-          <a:p>
-            <a:r>
-              <a:rPr lang="de-CH" dirty="0"/>
-              <a:t>Was würden wir das nächste Mal anders machen?</a:t>
             </a:r>
           </a:p>
           <a:p>

--- a/resources/documentation/Abschlusspraesentation.pptx
+++ b/resources/documentation/Abschlusspraesentation.pptx
@@ -1052,7 +1052,7 @@
               <a:latin typeface="Times New Roman" panose="02020603050405020304" pitchFamily="18" charset="0"/>
               <a:cs typeface="Times New Roman" panose="02020603050405020304" pitchFamily="18" charset="0"/>
             </a:rPr>
-            <a:t>Aufgrund des Datenschutze waren Daten aus dem Geschäftsumfeld nicht möglich</a:t>
+            <a:t>Aufgrund des Datenschutzes waren Daten aus dem Geschäftsumfeld nicht möglich</a:t>
           </a:r>
         </a:p>
       </dgm:t>
@@ -1108,7 +1108,7 @@
               <a:latin typeface="Times New Roman" panose="02020603050405020304" pitchFamily="18" charset="0"/>
               <a:cs typeface="Times New Roman" panose="02020603050405020304" pitchFamily="18" charset="0"/>
             </a:rPr>
-            <a:t> Learning auf, im Vergleich zu Schulbeispielen</a:t>
+            <a:t> Learning auf, im Vergleich zu konstruierten Beispielen</a:t>
           </a:r>
         </a:p>
       </dgm:t>
@@ -1232,8 +1232,8 @@
     <dgm:cxn modelId="{71B14908-DFD0-4B52-A569-796A61CDEA6D}" type="presOf" srcId="{4A266DF3-F699-481D-952B-06E94865913D}" destId="{3844A50A-7598-4C44-A3FD-CCE61E6BCEA0}" srcOrd="0" destOrd="0" presId="urn:microsoft.com/office/officeart/2008/layout/LinedList"/>
     <dgm:cxn modelId="{8BD2321A-3366-4BD9-85BD-7B0534FF2C6F}" type="presOf" srcId="{0744302F-FE80-4A21-8F48-80AF7C573D05}" destId="{193E6818-D85B-45EA-925F-270217CFF92B}" srcOrd="0" destOrd="0" presId="urn:microsoft.com/office/officeart/2008/layout/LinedList"/>
     <dgm:cxn modelId="{CCFDB124-A83D-4064-9873-74E1C8F45FAA}" type="presOf" srcId="{4F2A1D3E-E19F-455D-859F-C40136366B3D}" destId="{278D475D-CCFA-4E93-A503-7548BD710D98}" srcOrd="0" destOrd="0" presId="urn:microsoft.com/office/officeart/2008/layout/LinedList"/>
+    <dgm:cxn modelId="{6F54B448-C903-4B1A-B913-000410367ED3}" srcId="{6B10407F-191D-44EC-A3C5-69647440BFC9}" destId="{0744302F-FE80-4A21-8F48-80AF7C573D05}" srcOrd="3" destOrd="0" parTransId="{F62031B4-9D20-48B1-8479-0E7A28243ACD}" sibTransId="{15147C7B-1477-4765-85E8-62B7E1ABC25F}"/>
     <dgm:cxn modelId="{FFED8F60-F3D0-41E6-94FC-E9AB154C2B38}" type="presOf" srcId="{6B10407F-191D-44EC-A3C5-69647440BFC9}" destId="{22B5111B-463D-47D1-954F-127C30012F9F}" srcOrd="0" destOrd="0" presId="urn:microsoft.com/office/officeart/2008/layout/LinedList"/>
-    <dgm:cxn modelId="{6F54B448-C903-4B1A-B913-000410367ED3}" srcId="{6B10407F-191D-44EC-A3C5-69647440BFC9}" destId="{0744302F-FE80-4A21-8F48-80AF7C573D05}" srcOrd="3" destOrd="0" parTransId="{F62031B4-9D20-48B1-8479-0E7A28243ACD}" sibTransId="{15147C7B-1477-4765-85E8-62B7E1ABC25F}"/>
     <dgm:cxn modelId="{2DD1656A-1B48-4AFC-A65D-081443F407D0}" srcId="{6B10407F-191D-44EC-A3C5-69647440BFC9}" destId="{4F2A1D3E-E19F-455D-859F-C40136366B3D}" srcOrd="0" destOrd="0" parTransId="{D2DA1E0C-46CA-43FE-AD0E-1FF5A487E9EC}" sibTransId="{D34FF2C9-9A85-4762-AD7F-0FD4259109E1}"/>
     <dgm:cxn modelId="{E4D79477-D677-4768-9595-5D84F3189B84}" srcId="{6B10407F-191D-44EC-A3C5-69647440BFC9}" destId="{01C95085-4C2D-4356-A570-C83CCEF090EE}" srcOrd="2" destOrd="0" parTransId="{1A37DCC7-773C-40E2-8E5C-227CCAB23176}" sibTransId="{0B095CAA-79B6-4FBE-87CC-C4771004C1DA}"/>
     <dgm:cxn modelId="{0505B190-7936-490E-9ABF-6141D1B0B273}" srcId="{6B10407F-191D-44EC-A3C5-69647440BFC9}" destId="{4FB41823-BC59-46D4-9CBC-E9595939B9BC}" srcOrd="4" destOrd="0" parTransId="{7909C466-3CC6-471A-ADC0-471EF5FBA9B7}" sibTransId="{A88136E4-6B4C-4EE8-9E5A-1F016A3C14DC}"/>
@@ -1838,7 +1838,7 @@
               <a:latin typeface="Times New Roman" panose="02020603050405020304" pitchFamily="18" charset="0"/>
               <a:cs typeface="Times New Roman" panose="02020603050405020304" pitchFamily="18" charset="0"/>
             </a:rPr>
-            <a:t>Aufgrund des Datenschutze waren Daten aus dem Geschäftsumfeld nicht möglich</a:t>
+            <a:t>Aufgrund des Datenschutzes waren Daten aus dem Geschäftsumfeld nicht möglich</a:t>
           </a:r>
         </a:p>
       </dsp:txBody>
@@ -1994,7 +1994,7 @@
               <a:latin typeface="Times New Roman" panose="02020603050405020304" pitchFamily="18" charset="0"/>
               <a:cs typeface="Times New Roman" panose="02020603050405020304" pitchFamily="18" charset="0"/>
             </a:rPr>
-            <a:t> Learning auf, im Vergleich zu Schulbeispielen</a:t>
+            <a:t> Learning auf, im Vergleich zu konstruierten Beispielen</a:t>
           </a:r>
         </a:p>
       </dsp:txBody>
@@ -3601,7 +3601,7 @@
           <a:p>
             <a:fld id="{65A80223-0394-4653-850A-5CFB486BDE83}" type="datetime1">
               <a:rPr lang="de-DE" smtClean="0"/>
-              <a:t>17.01.2022</a:t>
+              <a:t>17.01.22</a:t>
             </a:fld>
             <a:endParaRPr lang="de-DE" dirty="0"/>
           </a:p>
@@ -3679,7 +3679,7 @@
           <a:p>
             <a:fld id="{6FDF4F7F-FEA2-4D79-BD1D-6E2024CD62A6}" type="slidenum">
               <a:rPr lang="de-DE" smtClean="0"/>
-              <a:t>‹Nr.›</a:t>
+              <a:t>‹#›</a:t>
             </a:fld>
             <a:endParaRPr lang="de-DE"/>
           </a:p>
@@ -3779,7 +3779,7 @@
             <a:fld id="{AFB9EE13-CF4B-4779-BA20-982008386F3C}" type="datetime1">
               <a:rPr lang="de-DE" smtClean="0"/>
               <a:pPr/>
-              <a:t>17.01.2022</a:t>
+              <a:t>17.01.22</a:t>
             </a:fld>
             <a:endParaRPr lang="de-DE" dirty="0"/>
           </a:p>
@@ -3937,7 +3937,7 @@
           <a:p>
             <a:fld id="{D4C745B4-E2A0-42CC-9FED-47B6EC2BC2F2}" type="slidenum">
               <a:rPr lang="de-DE" noProof="0" smtClean="0"/>
-              <a:t>‹Nr.›</a:t>
+              <a:t>‹#›</a:t>
             </a:fld>
             <a:endParaRPr lang="de-DE" noProof="0"/>
           </a:p>
@@ -5089,8 +5089,8 @@
         </p:nvSpPr>
         <p:spPr bwMode="auto">
           <a:xfrm>
-            <a:off x="3557016" y="630936"/>
-            <a:ext cx="5235575" cy="5229225"/>
+            <a:off x="4149284" y="280980"/>
+            <a:ext cx="3893432" cy="3466932"/>
           </a:xfrm>
           <a:custGeom>
             <a:avLst/>
@@ -6139,7 +6139,7 @@
         </p:nvSpPr>
         <p:spPr>
           <a:xfrm>
-            <a:off x="1078523" y="1098388"/>
+            <a:off x="1078522" y="838745"/>
             <a:ext cx="10318418" cy="4394988"/>
           </a:xfrm>
         </p:spPr>
@@ -6155,7 +6155,7 @@
           <a:p>
             <a:pPr rtl="0"/>
             <a:r>
-              <a:rPr lang="de-DE" noProof="0"/>
+              <a:rPr lang="de-DE" noProof="0" dirty="0"/>
               <a:t>Titelmasterformat durch Klicken bearbeiten</a:t>
             </a:r>
           </a:p>
@@ -6268,7 +6268,7 @@
             <a:pPr rtl="0"/>
             <a:fld id="{35695855-2C3C-4607-B286-469A5D649551}" type="datetime1">
               <a:rPr lang="de-DE" noProof="0" smtClean="0"/>
-              <a:t>17.01.2022</a:t>
+              <a:t>17.01.22</a:t>
             </a:fld>
             <a:endParaRPr lang="de-DE" noProof="0"/>
           </a:p>
@@ -6342,7 +6342,7 @@
             <a:pPr rtl="0"/>
             <a:fld id="{299DD5A9-4EF1-497E-92EF-2D23CF305E03}" type="slidenum">
               <a:rPr lang="de-DE" noProof="0" smtClean="0"/>
-              <a:t>‹Nr.›</a:t>
+              <a:t>‹#›</a:t>
             </a:fld>
             <a:endParaRPr lang="de-DE" noProof="0"/>
           </a:p>
@@ -6508,7 +6508,7 @@
             <a:pPr rtl="0"/>
             <a:fld id="{FC18E9E9-BFF0-4EF4-A26D-5D19B0036F5D}" type="datetime1">
               <a:rPr lang="de-DE" noProof="0" smtClean="0"/>
-              <a:t>17.01.2022</a:t>
+              <a:t>17.01.22</a:t>
             </a:fld>
             <a:endParaRPr lang="de-DE" noProof="0"/>
           </a:p>
@@ -6552,7 +6552,7 @@
             <a:pPr rtl="0"/>
             <a:fld id="{299DD5A9-4EF1-497E-92EF-2D23CF305E03}" type="slidenum">
               <a:rPr lang="de-DE" noProof="0" smtClean="0"/>
-              <a:t>‹Nr.›</a:t>
+              <a:t>‹#›</a:t>
             </a:fld>
             <a:endParaRPr lang="de-DE" noProof="0"/>
           </a:p>
@@ -6690,7 +6690,7 @@
             <a:pPr rtl="0"/>
             <a:fld id="{20A0FE2A-C243-49A6-85D6-34B528E67EA2}" type="datetime1">
               <a:rPr lang="de-DE" noProof="0" smtClean="0"/>
-              <a:t>17.01.2022</a:t>
+              <a:t>17.01.22</a:t>
             </a:fld>
             <a:endParaRPr lang="de-DE" noProof="0"/>
           </a:p>
@@ -6734,7 +6734,7 @@
             <a:pPr rtl="0"/>
             <a:fld id="{299DD5A9-4EF1-497E-92EF-2D23CF305E03}" type="slidenum">
               <a:rPr lang="de-DE" noProof="0" smtClean="0"/>
-              <a:t>‹Nr.›</a:t>
+              <a:t>‹#›</a:t>
             </a:fld>
             <a:endParaRPr lang="de-DE" noProof="0"/>
           </a:p>
@@ -6862,7 +6862,7 @@
             <a:pPr rtl="0"/>
             <a:fld id="{EE50C6DB-F1C6-467F-8CE0-A0346EFFE638}" type="datetime1">
               <a:rPr lang="de-DE" noProof="0" smtClean="0"/>
-              <a:t>17.01.2022</a:t>
+              <a:t>17.01.22</a:t>
             </a:fld>
             <a:endParaRPr lang="de-DE" noProof="0"/>
           </a:p>
@@ -6906,7 +6906,7 @@
             <a:pPr rtl="0"/>
             <a:fld id="{299DD5A9-4EF1-497E-92EF-2D23CF305E03}" type="slidenum">
               <a:rPr lang="de-DE" noProof="0" smtClean="0"/>
-              <a:t>‹Nr.›</a:t>
+              <a:t>‹#›</a:t>
             </a:fld>
             <a:endParaRPr lang="de-DE" noProof="0"/>
           </a:p>
@@ -7141,7 +7141,7 @@
             <a:pPr rtl="0"/>
             <a:fld id="{88FC6C5A-E802-4462-B445-3752E9FABE21}" type="datetime1">
               <a:rPr lang="de-DE" noProof="0" smtClean="0"/>
-              <a:t>17.01.2022</a:t>
+              <a:t>17.01.22</a:t>
             </a:fld>
             <a:endParaRPr lang="de-DE" noProof="0"/>
           </a:p>
@@ -7211,7 +7211,7 @@
             <a:pPr rtl="0"/>
             <a:fld id="{299DD5A9-4EF1-497E-92EF-2D23CF305E03}" type="slidenum">
               <a:rPr lang="de-DE" noProof="0" smtClean="0"/>
-              <a:t>‹Nr.›</a:t>
+              <a:t>‹#›</a:t>
             </a:fld>
             <a:endParaRPr lang="de-DE" noProof="0"/>
           </a:p>
@@ -8343,7 +8343,7 @@
             <a:pPr rtl="0"/>
             <a:fld id="{7C978EDB-C11C-4C48-AD02-A27E3A9F3021}" type="datetime1">
               <a:rPr lang="de-DE" noProof="0" smtClean="0"/>
-              <a:t>17.01.2022</a:t>
+              <a:t>17.01.22</a:t>
             </a:fld>
             <a:endParaRPr lang="de-DE" noProof="0"/>
           </a:p>
@@ -8387,7 +8387,7 @@
             <a:pPr rtl="0"/>
             <a:fld id="{299DD5A9-4EF1-497E-92EF-2D23CF305E03}" type="slidenum">
               <a:rPr lang="de-DE" noProof="0" smtClean="0"/>
-              <a:t>‹Nr.›</a:t>
+              <a:t>‹#›</a:t>
             </a:fld>
             <a:endParaRPr lang="de-DE" noProof="0"/>
           </a:p>
@@ -8734,7 +8734,7 @@
             <a:pPr rtl="0"/>
             <a:fld id="{30E61D66-BCE1-42A2-A51D-4FFAED4B1900}" type="datetime1">
               <a:rPr lang="de-DE" noProof="0" smtClean="0"/>
-              <a:t>17.01.2022</a:t>
+              <a:t>17.01.22</a:t>
             </a:fld>
             <a:endParaRPr lang="de-DE" noProof="0"/>
           </a:p>
@@ -8778,7 +8778,7 @@
             <a:pPr rtl="0"/>
             <a:fld id="{299DD5A9-4EF1-497E-92EF-2D23CF305E03}" type="slidenum">
               <a:rPr lang="de-DE" noProof="0" smtClean="0"/>
-              <a:t>‹Nr.›</a:t>
+              <a:t>‹#›</a:t>
             </a:fld>
             <a:endParaRPr lang="de-DE" noProof="0"/>
           </a:p>
@@ -8860,7 +8860,7 @@
             <a:pPr rtl="0"/>
             <a:fld id="{82A6A6CE-ADEF-490B-8885-487C6BE9CCEF}" type="datetime1">
               <a:rPr lang="de-DE" noProof="0" smtClean="0"/>
-              <a:t>17.01.2022</a:t>
+              <a:t>17.01.22</a:t>
             </a:fld>
             <a:endParaRPr lang="de-DE" noProof="0"/>
           </a:p>
@@ -8904,7 +8904,7 @@
             <a:pPr rtl="0"/>
             <a:fld id="{299DD5A9-4EF1-497E-92EF-2D23CF305E03}" type="slidenum">
               <a:rPr lang="de-DE" noProof="0" smtClean="0"/>
-              <a:t>‹Nr.›</a:t>
+              <a:t>‹#›</a:t>
             </a:fld>
             <a:endParaRPr lang="de-DE" noProof="0"/>
           </a:p>
@@ -8958,7 +8958,7 @@
             <a:pPr rtl="0"/>
             <a:fld id="{EC55321E-64B6-4F7B-B90E-E11BD8C9B303}" type="datetime1">
               <a:rPr lang="de-DE" noProof="0" smtClean="0"/>
-              <a:t>17.01.2022</a:t>
+              <a:t>17.01.22</a:t>
             </a:fld>
             <a:endParaRPr lang="de-DE" noProof="0"/>
           </a:p>
@@ -9002,7 +9002,7 @@
             <a:pPr rtl="0"/>
             <a:fld id="{299DD5A9-4EF1-497E-92EF-2D23CF305E03}" type="slidenum">
               <a:rPr lang="de-DE" noProof="0" smtClean="0"/>
-              <a:t>‹Nr.›</a:t>
+              <a:t>‹#›</a:t>
             </a:fld>
             <a:endParaRPr lang="de-DE" noProof="0"/>
           </a:p>
@@ -9723,7 +9723,7 @@
             <a:pPr rtl="0"/>
             <a:fld id="{2D8B6F82-F16F-4314-B31A-6A12CD9F4D25}" type="datetime1">
               <a:rPr lang="de-DE" noProof="0" smtClean="0"/>
-              <a:t>17.01.2022</a:t>
+              <a:t>17.01.22</a:t>
             </a:fld>
             <a:endParaRPr lang="de-DE" noProof="0"/>
           </a:p>
@@ -9777,7 +9777,7 @@
             <a:pPr rtl="0"/>
             <a:fld id="{299DD5A9-4EF1-497E-92EF-2D23CF305E03}" type="slidenum">
               <a:rPr lang="de-DE" noProof="0" smtClean="0"/>
-              <a:t>‹Nr.›</a:t>
+              <a:t>‹#›</a:t>
             </a:fld>
             <a:endParaRPr lang="de-DE" noProof="0"/>
           </a:p>
@@ -10566,7 +10566,7 @@
             <a:pPr rtl="0"/>
             <a:fld id="{1C3C8E23-E973-42ED-B43B-DAF54C52B003}" type="datetime1">
               <a:rPr lang="de-DE" noProof="0" smtClean="0"/>
-              <a:t>17.01.2022</a:t>
+              <a:t>17.01.22</a:t>
             </a:fld>
             <a:endParaRPr lang="de-DE" noProof="0"/>
           </a:p>
@@ -10620,7 +10620,7 @@
             <a:pPr rtl="0"/>
             <a:fld id="{299DD5A9-4EF1-497E-92EF-2D23CF305E03}" type="slidenum">
               <a:rPr lang="de-DE" noProof="0" smtClean="0"/>
-              <a:t>‹Nr.›</a:t>
+              <a:t>‹#›</a:t>
             </a:fld>
             <a:endParaRPr lang="de-DE" noProof="0"/>
           </a:p>
@@ -10795,7 +10795,7 @@
             <a:pPr rtl="0"/>
             <a:fld id="{E6CB7931-7355-4552-BD02-BEFEB20ABB1F}" type="datetime1">
               <a:rPr lang="de-DE" noProof="0" smtClean="0"/>
-              <a:t>17.01.2022</a:t>
+              <a:t>17.01.22</a:t>
             </a:fld>
             <a:endParaRPr lang="de-DE" noProof="0"/>
           </a:p>
@@ -10877,7 +10877,7 @@
             <a:pPr rtl="0"/>
             <a:fld id="{299DD5A9-4EF1-497E-92EF-2D23CF305E03}" type="slidenum">
               <a:rPr lang="de-DE" noProof="0" smtClean="0"/>
-              <a:t>‹Nr.›</a:t>
+              <a:t>‹#›</a:t>
             </a:fld>
             <a:endParaRPr lang="de-DE" noProof="0"/>
           </a:p>
@@ -11797,6 +11797,49 @@
           <a:chExt cx="0" cy="0"/>
         </a:xfrm>
       </p:grpSpPr>
+      <p:pic>
+        <p:nvPicPr>
+          <p:cNvPr id="11" name="Picture 10" descr="Icon&#10;&#10;Description automatically generated">
+            <a:extLst>
+              <a:ext uri="{FF2B5EF4-FFF2-40B4-BE49-F238E27FC236}">
+                <a16:creationId xmlns:a16="http://schemas.microsoft.com/office/drawing/2014/main" id="{53A30F57-1E4D-F54E-ACF0-143B03764BED}"/>
+              </a:ext>
+            </a:extLst>
+          </p:cNvPr>
+          <p:cNvPicPr>
+            <a:picLocks noChangeAspect="1"/>
+          </p:cNvPicPr>
+          <p:nvPr/>
+        </p:nvPicPr>
+        <p:blipFill>
+          <a:blip r:embed="rId3">
+            <a:duotone>
+              <a:schemeClr val="accent1">
+                <a:shade val="45000"/>
+                <a:satMod val="135000"/>
+              </a:schemeClr>
+              <a:prstClr val="white"/>
+            </a:duotone>
+            <a:extLst>
+              <a:ext uri="{28A0092B-C50C-407E-A947-70E740481C1C}">
+                <a14:useLocalDpi xmlns:a14="http://schemas.microsoft.com/office/drawing/2010/main" val="0"/>
+              </a:ext>
+            </a:extLst>
+          </a:blip>
+          <a:stretch>
+            <a:fillRect/>
+          </a:stretch>
+        </p:blipFill>
+        <p:spPr>
+          <a:xfrm>
+            <a:off x="4720942" y="644595"/>
+            <a:ext cx="2727255" cy="2727255"/>
+          </a:xfrm>
+          <a:prstGeom prst="rect">
+            <a:avLst/>
+          </a:prstGeom>
+        </p:spPr>
+      </p:pic>
       <p:sp>
         <p:nvSpPr>
           <p:cNvPr id="8" name="Textfeld 7">
@@ -11811,8 +11854,8 @@
         </p:nvSpPr>
         <p:spPr>
           <a:xfrm>
-            <a:off x="451944" y="6287583"/>
-            <a:ext cx="11435255" cy="400110"/>
+            <a:off x="301214" y="6145967"/>
+            <a:ext cx="5669281" cy="646331"/>
           </a:xfrm>
           <a:prstGeom prst="rect">
             <a:avLst/>
@@ -11826,57 +11869,66 @@
           <a:lstStyle/>
           <a:p>
             <a:r>
-              <a:rPr lang="de-DE" sz="2000" dirty="0">
-                <a:latin typeface="Times New Roman" panose="02020603050405020304" pitchFamily="18" charset="0"/>
+              <a:rPr lang="de-DE" dirty="0" err="1">
+                <a:latin typeface="Bodoni MT" panose="02070603080606020203" pitchFamily="18" charset="77"/>
                 <a:cs typeface="Times New Roman" panose="02020603050405020304" pitchFamily="18" charset="0"/>
               </a:rPr>
-              <a:t>Jonas Furrer &amp; Marco Amrein                                     </a:t>
+              <a:t>Machine</a:t>
             </a:r>
             <a:r>
-              <a:rPr lang="de-CH" sz="2000" dirty="0">
-                <a:latin typeface="Times New Roman" panose="02020603050405020304" pitchFamily="18" charset="0"/>
+              <a:rPr lang="de-DE" dirty="0">
+                <a:latin typeface="Bodoni MT" panose="02070603080606020203" pitchFamily="18" charset="77"/>
+                <a:cs typeface="Times New Roman" panose="02020603050405020304" pitchFamily="18" charset="0"/>
+              </a:rPr>
+              <a:t> Learning Innovationsprojekt					</a:t>
+            </a:r>
+          </a:p>
+          <a:p>
+            <a:r>
+              <a:rPr lang="de-CH" dirty="0">
+                <a:latin typeface="Bodoni MT" panose="02070603080606020203" pitchFamily="18" charset="77"/>
                 <a:cs typeface="Times New Roman" panose="02020603050405020304" pitchFamily="18" charset="0"/>
               </a:rPr>
               <a:t>CAS </a:t>
             </a:r>
             <a:r>
-              <a:rPr lang="de-CH" sz="2000" dirty="0" err="1">
-                <a:latin typeface="Times New Roman" panose="02020603050405020304" pitchFamily="18" charset="0"/>
+              <a:rPr lang="de-CH" dirty="0" err="1">
+                <a:latin typeface="Bodoni MT" panose="02070603080606020203" pitchFamily="18" charset="77"/>
                 <a:cs typeface="Times New Roman" panose="02020603050405020304" pitchFamily="18" charset="0"/>
               </a:rPr>
               <a:t>Artificial</a:t>
             </a:r>
             <a:r>
-              <a:rPr lang="de-CH" sz="2000" dirty="0">
-                <a:latin typeface="Times New Roman" panose="02020603050405020304" pitchFamily="18" charset="0"/>
+              <a:rPr lang="de-CH" dirty="0">
+                <a:latin typeface="Bodoni MT" panose="02070603080606020203" pitchFamily="18" charset="77"/>
                 <a:cs typeface="Times New Roman" panose="02020603050405020304" pitchFamily="18" charset="0"/>
               </a:rPr>
               <a:t> </a:t>
             </a:r>
             <a:r>
-              <a:rPr lang="de-CH" sz="2000" dirty="0" err="1">
-                <a:latin typeface="Times New Roman" panose="02020603050405020304" pitchFamily="18" charset="0"/>
+              <a:rPr lang="de-CH" dirty="0" err="1">
+                <a:latin typeface="Bodoni MT" panose="02070603080606020203" pitchFamily="18" charset="77"/>
                 <a:cs typeface="Times New Roman" panose="02020603050405020304" pitchFamily="18" charset="0"/>
               </a:rPr>
               <a:t>Intelligence</a:t>
             </a:r>
             <a:r>
-              <a:rPr lang="de-CH" sz="2000" dirty="0">
-                <a:latin typeface="Times New Roman" panose="02020603050405020304" pitchFamily="18" charset="0"/>
+              <a:rPr lang="de-CH" dirty="0">
+                <a:latin typeface="Bodoni MT" panose="02070603080606020203" pitchFamily="18" charset="77"/>
                 <a:cs typeface="Times New Roman" panose="02020603050405020304" pitchFamily="18" charset="0"/>
               </a:rPr>
               <a:t>/</a:t>
             </a:r>
             <a:r>
-              <a:rPr lang="de-CH" sz="2000" dirty="0" err="1">
-                <a:latin typeface="Times New Roman" panose="02020603050405020304" pitchFamily="18" charset="0"/>
+              <a:rPr lang="de-CH" dirty="0" err="1">
+                <a:latin typeface="Bodoni MT" panose="02070603080606020203" pitchFamily="18" charset="77"/>
                 <a:cs typeface="Times New Roman" panose="02020603050405020304" pitchFamily="18" charset="0"/>
               </a:rPr>
               <a:t>Künstliche</a:t>
             </a:r>
             <a:r>
-              <a:rPr lang="de-CH" sz="2000" dirty="0">
-                <a:latin typeface="Times New Roman" panose="02020603050405020304" pitchFamily="18" charset="0"/>
+              <a:rPr lang="de-CH" dirty="0">
+                <a:latin typeface="Bodoni MT" panose="02070603080606020203" pitchFamily="18" charset="77"/>
                 <a:cs typeface="Times New Roman" panose="02020603050405020304" pitchFamily="18" charset="0"/>
               </a:rPr>
               <a:t> Intelligenz HSLU</a:t>
@@ -11884,36 +11936,6 @@
           </a:p>
         </p:txBody>
       </p:sp>
-      <p:pic>
-        <p:nvPicPr>
-          <p:cNvPr id="3" name="Grafik 2">
-            <a:extLst>
-              <a:ext uri="{FF2B5EF4-FFF2-40B4-BE49-F238E27FC236}">
-                <a16:creationId xmlns:a16="http://schemas.microsoft.com/office/drawing/2014/main" id="{488B600F-49A4-47CC-9F1B-121CD2921356}"/>
-              </a:ext>
-            </a:extLst>
-          </p:cNvPr>
-          <p:cNvPicPr>
-            <a:picLocks noChangeAspect="1"/>
-          </p:cNvPicPr>
-          <p:nvPr/>
-        </p:nvPicPr>
-        <p:blipFill>
-          <a:blip r:embed="rId3"/>
-          <a:stretch>
-            <a:fillRect/>
-          </a:stretch>
-        </p:blipFill>
-        <p:spPr>
-          <a:xfrm>
-            <a:off x="4389343" y="1555667"/>
-            <a:ext cx="3561257" cy="3409903"/>
-          </a:xfrm>
-          <a:prstGeom prst="rect">
-            <a:avLst/>
-          </a:prstGeom>
-        </p:spPr>
-      </p:pic>
       <p:sp>
         <p:nvSpPr>
           <p:cNvPr id="2" name="Titel 1">
@@ -11932,8 +11954,8 @@
         </p:nvSpPr>
         <p:spPr>
           <a:xfrm>
-            <a:off x="1108211" y="656255"/>
-            <a:ext cx="10318418" cy="5602706"/>
+            <a:off x="1155196" y="4189245"/>
+            <a:ext cx="10318418" cy="1165037"/>
           </a:xfrm>
         </p:spPr>
         <p:txBody>
@@ -11942,22 +11964,163 @@
           <a:p>
             <a:pPr rtl="0"/>
             <a:r>
-              <a:rPr lang="de-DE" dirty="0">
+              <a:rPr lang="de-DE" sz="5000" dirty="0">
                 <a:latin typeface="Bodoni MT" panose="02070603080606020203" pitchFamily="18" charset="0"/>
               </a:rPr>
-              <a:t>COVID-19</a:t>
+              <a:t>Vorhersage COVID-19</a:t>
+            </a:r>
+            <a:br>
+              <a:rPr lang="de-DE" sz="5000" dirty="0">
+                <a:latin typeface="Bodoni MT" panose="02070603080606020203" pitchFamily="18" charset="0"/>
+              </a:rPr>
+            </a:br>
+            <a:r>
+              <a:rPr lang="de-DE" sz="5000" dirty="0">
+                <a:latin typeface="Bodoni MT" panose="02070603080606020203" pitchFamily="18" charset="0"/>
+              </a:rPr>
+              <a:t>Kennzahlen</a:t>
+            </a:r>
+            <a:br>
+              <a:rPr lang="de-DE" sz="5000" dirty="0">
+                <a:latin typeface="Bodoni MT" panose="02070603080606020203" pitchFamily="18" charset="0"/>
+              </a:rPr>
+            </a:br>
+            <a:endParaRPr lang="de-DE" sz="1800" dirty="0">
+              <a:latin typeface="Bodoni MT" panose="02070603080606020203" pitchFamily="18" charset="0"/>
+            </a:endParaRPr>
+          </a:p>
+        </p:txBody>
+      </p:sp>
+      <p:sp>
+        <p:nvSpPr>
+          <p:cNvPr id="6" name="Textfeld 7">
+            <a:extLst>
+              <a:ext uri="{FF2B5EF4-FFF2-40B4-BE49-F238E27FC236}">
+                <a16:creationId xmlns:a16="http://schemas.microsoft.com/office/drawing/2014/main" id="{9A85C89B-63BB-9E4D-A713-4AFD6AD03E36}"/>
+              </a:ext>
+            </a:extLst>
+          </p:cNvPr>
+          <p:cNvSpPr txBox="1"/>
+          <p:nvPr/>
+        </p:nvSpPr>
+        <p:spPr>
+          <a:xfrm>
+            <a:off x="6221507" y="6145966"/>
+            <a:ext cx="5970492" cy="646331"/>
+          </a:xfrm>
+          <a:prstGeom prst="rect">
+            <a:avLst/>
+          </a:prstGeom>
+          <a:noFill/>
+        </p:spPr>
+        <p:txBody>
+          <a:bodyPr wrap="square" rtlCol="0">
+            <a:spAutoFit/>
+          </a:bodyPr>
+          <a:lstStyle/>
+          <a:p>
+            <a:pPr algn="r"/>
+            <a:r>
+              <a:rPr lang="de-DE" dirty="0">
+                <a:latin typeface="Bodoni MT" panose="02070603080606020203" pitchFamily="18" charset="77"/>
+                <a:cs typeface="Times New Roman" panose="02020603050405020304" pitchFamily="18" charset="0"/>
+              </a:rPr>
+              <a:t>	Jonas Furrer &amp; Marco </a:t>
+            </a:r>
+            <a:r>
+              <a:rPr lang="de-DE" dirty="0" err="1">
+                <a:latin typeface="Bodoni MT" panose="02070603080606020203" pitchFamily="18" charset="77"/>
+                <a:cs typeface="Times New Roman" panose="02020603050405020304" pitchFamily="18" charset="0"/>
+              </a:rPr>
+              <a:t>Amrein</a:t>
+            </a:r>
+            <a:endParaRPr lang="de-DE" dirty="0">
+              <a:latin typeface="Bodoni MT" panose="02070603080606020203" pitchFamily="18" charset="77"/>
+              <a:cs typeface="Times New Roman" panose="02020603050405020304" pitchFamily="18" charset="0"/>
+            </a:endParaRPr>
+          </a:p>
+          <a:p>
+            <a:pPr algn="r"/>
+            <a:r>
+              <a:rPr lang="de-CH" dirty="0">
+                <a:latin typeface="Bodoni MT" panose="02070603080606020203" pitchFamily="18" charset="77"/>
+                <a:cs typeface="Times New Roman" panose="02020603050405020304" pitchFamily="18" charset="0"/>
+              </a:rPr>
+              <a:t>18. Januar 2022</a:t>
+            </a:r>
+          </a:p>
+        </p:txBody>
+      </p:sp>
+      <p:sp>
+        <p:nvSpPr>
+          <p:cNvPr id="13" name="TextBox 12">
+            <a:extLst>
+              <a:ext uri="{FF2B5EF4-FFF2-40B4-BE49-F238E27FC236}">
+                <a16:creationId xmlns:a16="http://schemas.microsoft.com/office/drawing/2014/main" id="{673E8377-5635-024B-90A2-11749EA422A8}"/>
+              </a:ext>
+            </a:extLst>
+          </p:cNvPr>
+          <p:cNvSpPr txBox="1"/>
+          <p:nvPr/>
+        </p:nvSpPr>
+        <p:spPr>
+          <a:xfrm>
+            <a:off x="1155196" y="5354282"/>
+            <a:ext cx="10318418" cy="677108"/>
+          </a:xfrm>
+          <a:prstGeom prst="rect">
+            <a:avLst/>
+          </a:prstGeom>
+          <a:noFill/>
+        </p:spPr>
+        <p:txBody>
+          <a:bodyPr wrap="square" rtlCol="0">
+            <a:spAutoFit/>
+          </a:bodyPr>
+          <a:lstStyle/>
+          <a:p>
+            <a:pPr algn="ctr"/>
+            <a:r>
+              <a:rPr lang="de-DE" sz="2000" dirty="0">
+                <a:latin typeface="Bodoni MT" panose="02070603080606020203" pitchFamily="18" charset="77"/>
+                <a:cs typeface="Times New Roman" panose="02020603050405020304" pitchFamily="18" charset="0"/>
+              </a:rPr>
+              <a:t>Anwendung und Vergleich von </a:t>
+            </a:r>
+            <a:r>
+              <a:rPr lang="de-DE" sz="2000" dirty="0" err="1">
+                <a:latin typeface="Bodoni MT" panose="02070603080606020203" pitchFamily="18" charset="77"/>
+                <a:cs typeface="Times New Roman" panose="02020603050405020304" pitchFamily="18" charset="0"/>
+              </a:rPr>
+              <a:t>Machine</a:t>
+            </a:r>
+            <a:r>
+              <a:rPr lang="de-DE" sz="2000" dirty="0">
+                <a:latin typeface="Bodoni MT" panose="02070603080606020203" pitchFamily="18" charset="77"/>
+                <a:cs typeface="Times New Roman" panose="02020603050405020304" pitchFamily="18" charset="0"/>
+              </a:rPr>
+              <a:t> Learning und </a:t>
+            </a:r>
+            <a:r>
+              <a:rPr lang="de-DE" sz="2000" dirty="0" err="1">
+                <a:latin typeface="Bodoni MT" panose="02070603080606020203" pitchFamily="18" charset="77"/>
+                <a:cs typeface="Times New Roman" panose="02020603050405020304" pitchFamily="18" charset="0"/>
+              </a:rPr>
+              <a:t>Deep</a:t>
+            </a:r>
+            <a:r>
+              <a:rPr lang="de-DE" sz="2000" dirty="0">
+                <a:latin typeface="Bodoni MT" panose="02070603080606020203" pitchFamily="18" charset="77"/>
+                <a:cs typeface="Times New Roman" panose="02020603050405020304" pitchFamily="18" charset="0"/>
+              </a:rPr>
+              <a:t> Learning Algorithmen</a:t>
             </a:r>
             <a:br>
               <a:rPr lang="de-DE" dirty="0">
                 <a:latin typeface="Bodoni MT" panose="02070603080606020203" pitchFamily="18" charset="0"/>
               </a:rPr>
             </a:br>
-            <a:r>
-              <a:rPr lang="de-DE" dirty="0">
-                <a:latin typeface="Bodoni MT" panose="02070603080606020203" pitchFamily="18" charset="0"/>
-              </a:rPr>
-              <a:t>Fallzahlen</a:t>
-            </a:r>
+            <a:endParaRPr lang="en-CH" dirty="0"/>
           </a:p>
         </p:txBody>
       </p:sp>
@@ -13889,31 +14052,6 @@
           </a:p>
         </p:txBody>
       </p:sp>
-      <p:sp>
-        <p:nvSpPr>
-          <p:cNvPr id="5" name="Inhaltsplatzhalter 4">
-            <a:extLst>
-              <a:ext uri="{FF2B5EF4-FFF2-40B4-BE49-F238E27FC236}">
-                <a16:creationId xmlns:a16="http://schemas.microsoft.com/office/drawing/2014/main" id="{603AD2A9-D6AD-4391-A51A-49C6E6229251}"/>
-              </a:ext>
-            </a:extLst>
-          </p:cNvPr>
-          <p:cNvSpPr>
-            <a:spLocks noGrp="1"/>
-          </p:cNvSpPr>
-          <p:nvPr>
-            <p:ph idx="1"/>
-          </p:nvPr>
-        </p:nvSpPr>
-        <p:spPr/>
-        <p:txBody>
-          <a:bodyPr/>
-          <a:lstStyle/>
-          <a:p>
-            <a:endParaRPr lang="de-CH"/>
-          </a:p>
-        </p:txBody>
-      </p:sp>
     </p:spTree>
     <p:extLst>
       <p:ext uri="{BB962C8B-B14F-4D97-AF65-F5344CB8AC3E}">
@@ -14072,13 +14210,13 @@
           <a:p>
             <a:r>
               <a:rPr lang="de-CH" dirty="0"/>
-              <a:t>Ziel</a:t>
+              <a:t>Ziel des Projekts</a:t>
             </a:r>
           </a:p>
           <a:p>
             <a:r>
               <a:rPr lang="de-CH" dirty="0"/>
-              <a:t>Methodik/Organisation</a:t>
+              <a:t>Methodik / Organisation</a:t>
             </a:r>
           </a:p>
           <a:p>
@@ -14172,8 +14310,13 @@
           <a:p>
             <a:r>
               <a:rPr lang="de-CH" dirty="0"/>
-              <a:t>ZIEL</a:t>
+              <a:t>ZIEL des </a:t>
             </a:r>
+            <a:r>
+              <a:rPr lang="de-CH" dirty="0" err="1"/>
+              <a:t>projekts</a:t>
+            </a:r>
+            <a:endParaRPr lang="de-CH" dirty="0"/>
           </a:p>
         </p:txBody>
       </p:sp>
@@ -14200,15 +14343,7 @@
           <a:p>
             <a:r>
               <a:rPr lang="de-CH" dirty="0"/>
-              <a:t>Vergleich von verschiedenen Modellen zur Vorhersage der </a:t>
-            </a:r>
-            <a:r>
-              <a:rPr lang="de-CH" dirty="0" err="1"/>
-              <a:t>Covid</a:t>
-            </a:r>
-            <a:r>
-              <a:rPr lang="de-CH" dirty="0"/>
-              <a:t> Fallzahlen</a:t>
+              <a:t>Vergleich von verschiedenen Modellen zur Vorhersage der Covid-19 Fallzahlen</a:t>
             </a:r>
           </a:p>
           <a:p>
@@ -14222,7 +14357,7 @@
             </a:r>
             <a:r>
               <a:rPr lang="de-CH" dirty="0"/>
-              <a:t> Error, Dauer für Training und </a:t>
+              <a:t> Error (MSE), Dauer für Training und </a:t>
             </a:r>
             <a:r>
               <a:rPr lang="de-CH" dirty="0" err="1"/>
@@ -14260,7 +14395,7 @@
         </p:blipFill>
         <p:spPr>
           <a:xfrm>
-            <a:off x="1982402" y="3429000"/>
+            <a:off x="1982402" y="3597152"/>
             <a:ext cx="8227195" cy="2878463"/>
           </a:xfrm>
           <a:prstGeom prst="rect">
@@ -14359,7 +14494,7 @@
           <a:p>
             <a:r>
               <a:rPr lang="de-CH" dirty="0"/>
-              <a:t>Code Verwaltungssystem : </a:t>
+              <a:t>Code Verwaltungssystem: </a:t>
             </a:r>
             <a:r>
               <a:rPr lang="de-CH" dirty="0">
@@ -14375,7 +14510,7 @@
           <a:p>
             <a:r>
               <a:rPr lang="de-CH" dirty="0"/>
-              <a:t>Entwicklungsumgebung : Visual Studio Code mit </a:t>
+              <a:t>Entwicklungsumgebung: Visual Studio Code mit </a:t>
             </a:r>
             <a:r>
               <a:rPr lang="de-CH" dirty="0" err="1"/>
@@ -14383,19 +14518,19 @@
             </a:r>
             <a:r>
               <a:rPr lang="de-CH" dirty="0"/>
-              <a:t> Remote</a:t>
+              <a:t> Environment (Remote)</a:t>
             </a:r>
           </a:p>
           <a:p>
             <a:r>
               <a:rPr lang="de-CH" dirty="0"/>
-              <a:t>Kommunikation :  Wöchentliche Videokonferenzen</a:t>
+              <a:t>Kommunikation:  Wöchentliche Videokonferenzen</a:t>
             </a:r>
           </a:p>
           <a:p>
             <a:r>
               <a:rPr lang="de-CH" dirty="0"/>
-              <a:t>Qualitätssicherung : Gegenseitige Code Reviews</a:t>
+              <a:t>Qualitätssicherung: Gegenseitige Code Reviews</a:t>
             </a:r>
           </a:p>
         </p:txBody>
@@ -14559,7 +14694,15 @@
           <a:p>
             <a:r>
               <a:rPr lang="de-CH" dirty="0"/>
-              <a:t>Optimierung der Hyperparameter mittels Cross Validation</a:t>
+              <a:t>Optimierung der Hyperparameter mittels </a:t>
+            </a:r>
+            <a:r>
+              <a:rPr lang="de-CH" dirty="0" err="1"/>
+              <a:t>GridSearch</a:t>
+            </a:r>
+            <a:r>
+              <a:rPr lang="de-CH" dirty="0"/>
+              <a:t> und Cross Validation</a:t>
             </a:r>
           </a:p>
         </p:txBody>
@@ -14645,14 +14788,14 @@
           <a:p>
             <a:r>
               <a:rPr lang="de-CH" dirty="0"/>
-              <a:t>Demo des LSTM Netzwerkes</a:t>
+              <a:t>Demo des LSTM Modells</a:t>
             </a:r>
           </a:p>
           <a:p>
             <a:pPr lvl="1"/>
             <a:r>
               <a:rPr lang="de-CH" dirty="0"/>
-              <a:t>Trainieren</a:t>
+              <a:t>Trainieren des Netzwerks</a:t>
             </a:r>
           </a:p>
           <a:p>
@@ -14675,8 +14818,21 @@
             </a:r>
             <a:r>
               <a:rPr lang="de-CH" dirty="0"/>
-              <a:t> mit Ground Truth</a:t>
+              <a:t> mit </a:t>
             </a:r>
+            <a:r>
+              <a:rPr lang="de-CH" dirty="0" err="1"/>
+              <a:t>Ground</a:t>
+            </a:r>
+            <a:r>
+              <a:rPr lang="de-CH" dirty="0"/>
+              <a:t> </a:t>
+            </a:r>
+            <a:r>
+              <a:rPr lang="de-CH" dirty="0" err="1"/>
+              <a:t>Truth</a:t>
+            </a:r>
+            <a:endParaRPr lang="de-CH" dirty="0"/>
           </a:p>
         </p:txBody>
       </p:sp>
@@ -15066,12 +15222,12 @@
                         </a:spcAft>
                       </a:pPr>
                       <a:r>
-                        <a:rPr lang="de-CH" sz="1800">
+                        <a:rPr lang="de-CH" sz="1800" dirty="0">
                           <a:effectLst/>
                         </a:rPr>
                         <a:t>CNN</a:t>
                       </a:r>
-                      <a:endParaRPr lang="de-CH" sz="1800">
+                      <a:endParaRPr lang="de-CH" sz="1800" dirty="0">
                         <a:effectLst/>
                         <a:latin typeface="Arial" panose="020B0604020202020204" pitchFamily="34" charset="0"/>
                         <a:ea typeface="Calibri" panose="020F0502020204030204" pitchFamily="34" charset="0"/>
@@ -15387,7 +15543,7 @@
           <a:p>
             <a:r>
               <a:rPr lang="de-CH" dirty="0"/>
-              <a:t>Performance</a:t>
+              <a:t>Reihenfolge Performance</a:t>
             </a:r>
           </a:p>
           <a:p>
@@ -15430,7 +15586,7 @@
           <a:p>
             <a:r>
               <a:rPr lang="de-CH" dirty="0"/>
-              <a:t>Laufzeit</a:t>
+              <a:t>Reihenfolge Laufzeit</a:t>
             </a:r>
           </a:p>
           <a:p>
@@ -16973,7 +17129,7 @@
             <p:ph idx="1"/>
             <p:extLst>
               <p:ext uri="{D42A27DB-BD31-4B8C-83A1-F6EECF244321}">
-                <p14:modId xmlns:p14="http://schemas.microsoft.com/office/powerpoint/2010/main" val="2388610050"/>
+                <p14:modId xmlns:p14="http://schemas.microsoft.com/office/powerpoint/2010/main" val="2544730267"/>
               </p:ext>
             </p:extLst>
           </p:nvPr>
